--- a/PowerPoint.pptx
+++ b/PowerPoint.pptx
@@ -7,29 +7,26 @@
   <p:sldIdLst>
     <p:sldId id="256" r:id="rId2"/>
     <p:sldId id="269" r:id="rId3"/>
-    <p:sldId id="257" r:id="rId4"/>
-    <p:sldId id="258" r:id="rId5"/>
-    <p:sldId id="261" r:id="rId6"/>
-    <p:sldId id="263" r:id="rId7"/>
-    <p:sldId id="265" r:id="rId8"/>
+    <p:sldId id="270" r:id="rId4"/>
+    <p:sldId id="265" r:id="rId5"/>
   </p:sldIdLst>
   <p:sldSz cx="18288000" cy="10287000"/>
   <p:notesSz cx="6858000" cy="9144000"/>
   <p:embeddedFontLst>
     <p:embeddedFont>
       <p:font typeface="Calibri" panose="020F0502020204030204" pitchFamily="34" charset="0"/>
-      <p:regular r:id="rId9"/>
-      <p:bold r:id="rId10"/>
-      <p:italic r:id="rId11"/>
-      <p:boldItalic r:id="rId12"/>
+      <p:regular r:id="rId6"/>
+      <p:bold r:id="rId7"/>
+      <p:italic r:id="rId8"/>
+      <p:boldItalic r:id="rId9"/>
     </p:embeddedFont>
     <p:embeddedFont>
       <p:font typeface="Inter" panose="020B0604020202020204" charset="0"/>
-      <p:regular r:id="rId13"/>
+      <p:regular r:id="rId10"/>
     </p:embeddedFont>
     <p:embeddedFont>
       <p:font typeface="Inter Bold" panose="020B0604020202020204" charset="0"/>
-      <p:regular r:id="rId14"/>
+      <p:regular r:id="rId11"/>
     </p:embeddedFont>
   </p:embeddedFontLst>
   <p:defaultTextStyle>
@@ -326,7 +323,7 @@
             <a:fld id="{1D8BD707-D9CF-40AE-B4C6-C98DA3205C09}" type="datetimeFigureOut">
               <a:rPr lang="en-US" smtClean="0"/>
               <a:pPr/>
-              <a:t>2/15/2023</a:t>
+              <a:t>2/16/2023</a:t>
             </a:fld>
             <a:endParaRPr lang="en-US"/>
           </a:p>
@@ -491,7 +488,7 @@
             <a:fld id="{1D8BD707-D9CF-40AE-B4C6-C98DA3205C09}" type="datetimeFigureOut">
               <a:rPr lang="en-US" smtClean="0"/>
               <a:pPr/>
-              <a:t>2/15/2023</a:t>
+              <a:t>2/16/2023</a:t>
             </a:fld>
             <a:endParaRPr lang="en-US"/>
           </a:p>
@@ -666,7 +663,7 @@
             <a:fld id="{1D8BD707-D9CF-40AE-B4C6-C98DA3205C09}" type="datetimeFigureOut">
               <a:rPr lang="en-US" smtClean="0"/>
               <a:pPr/>
-              <a:t>2/15/2023</a:t>
+              <a:t>2/16/2023</a:t>
             </a:fld>
             <a:endParaRPr lang="en-US"/>
           </a:p>
@@ -831,7 +828,7 @@
             <a:fld id="{1D8BD707-D9CF-40AE-B4C6-C98DA3205C09}" type="datetimeFigureOut">
               <a:rPr lang="en-US" smtClean="0"/>
               <a:pPr/>
-              <a:t>2/15/2023</a:t>
+              <a:t>2/16/2023</a:t>
             </a:fld>
             <a:endParaRPr lang="en-US"/>
           </a:p>
@@ -1073,7 +1070,7 @@
             <a:fld id="{1D8BD707-D9CF-40AE-B4C6-C98DA3205C09}" type="datetimeFigureOut">
               <a:rPr lang="en-US" smtClean="0"/>
               <a:pPr/>
-              <a:t>2/15/2023</a:t>
+              <a:t>2/16/2023</a:t>
             </a:fld>
             <a:endParaRPr lang="en-US"/>
           </a:p>
@@ -1355,7 +1352,7 @@
             <a:fld id="{1D8BD707-D9CF-40AE-B4C6-C98DA3205C09}" type="datetimeFigureOut">
               <a:rPr lang="en-US" smtClean="0"/>
               <a:pPr/>
-              <a:t>2/15/2023</a:t>
+              <a:t>2/16/2023</a:t>
             </a:fld>
             <a:endParaRPr lang="en-US"/>
           </a:p>
@@ -1771,7 +1768,7 @@
             <a:fld id="{1D8BD707-D9CF-40AE-B4C6-C98DA3205C09}" type="datetimeFigureOut">
               <a:rPr lang="en-US" smtClean="0"/>
               <a:pPr/>
-              <a:t>2/15/2023</a:t>
+              <a:t>2/16/2023</a:t>
             </a:fld>
             <a:endParaRPr lang="en-US"/>
           </a:p>
@@ -1885,7 +1882,7 @@
             <a:fld id="{1D8BD707-D9CF-40AE-B4C6-C98DA3205C09}" type="datetimeFigureOut">
               <a:rPr lang="en-US" smtClean="0"/>
               <a:pPr/>
-              <a:t>2/15/2023</a:t>
+              <a:t>2/16/2023</a:t>
             </a:fld>
             <a:endParaRPr lang="en-US"/>
           </a:p>
@@ -1977,7 +1974,7 @@
             <a:fld id="{1D8BD707-D9CF-40AE-B4C6-C98DA3205C09}" type="datetimeFigureOut">
               <a:rPr lang="en-US" smtClean="0"/>
               <a:pPr/>
-              <a:t>2/15/2023</a:t>
+              <a:t>2/16/2023</a:t>
             </a:fld>
             <a:endParaRPr lang="en-US"/>
           </a:p>
@@ -2249,7 +2246,7 @@
             <a:fld id="{1D8BD707-D9CF-40AE-B4C6-C98DA3205C09}" type="datetimeFigureOut">
               <a:rPr lang="en-US" smtClean="0"/>
               <a:pPr/>
-              <a:t>2/15/2023</a:t>
+              <a:t>2/16/2023</a:t>
             </a:fld>
             <a:endParaRPr lang="en-US"/>
           </a:p>
@@ -2498,7 +2495,7 @@
             <a:fld id="{1D8BD707-D9CF-40AE-B4C6-C98DA3205C09}" type="datetimeFigureOut">
               <a:rPr lang="en-US" smtClean="0"/>
               <a:pPr/>
-              <a:t>2/15/2023</a:t>
+              <a:t>2/16/2023</a:t>
             </a:fld>
             <a:endParaRPr lang="en-US"/>
           </a:p>
@@ -2706,7 +2703,7 @@
             <a:fld id="{1D8BD707-D9CF-40AE-B4C6-C98DA3205C09}" type="datetimeFigureOut">
               <a:rPr lang="en-US" smtClean="0"/>
               <a:pPr/>
-              <a:t>2/15/2023</a:t>
+              <a:t>2/16/2023</a:t>
             </a:fld>
             <a:endParaRPr lang="en-US"/>
           </a:p>
@@ -3521,6 +3518,9 @@
   <p:clrMapOvr>
     <a:masterClrMapping/>
   </p:clrMapOvr>
+  <p:transition spd="slow">
+    <p:push/>
+  </p:transition>
 </p:sld>
 </file>
 
@@ -3541,274 +3541,15 @@
           <a:chExt cx="0" cy="0"/>
         </a:xfrm>
       </p:grpSpPr>
-      <p:grpSp>
-        <p:nvGrpSpPr>
-          <p:cNvPr id="3" name="Group 3"/>
-          <p:cNvGrpSpPr/>
-          <p:nvPr/>
-        </p:nvGrpSpPr>
-        <p:grpSpPr>
-          <a:xfrm>
-            <a:off x="1028700" y="1175479"/>
-            <a:ext cx="14211300" cy="2008783"/>
-            <a:chOff x="0" y="0"/>
-            <a:chExt cx="18948399" cy="2678377"/>
-          </a:xfrm>
-        </p:grpSpPr>
-        <p:sp>
-          <p:nvSpPr>
-            <p:cNvPr id="4" name="TextBox 4"/>
-            <p:cNvSpPr txBox="1"/>
-            <p:nvPr/>
-          </p:nvSpPr>
-          <p:spPr>
-            <a:xfrm>
-              <a:off x="0" y="0"/>
-              <a:ext cx="18948399" cy="2021151"/>
-            </a:xfrm>
-            <a:prstGeom prst="rect">
-              <a:avLst/>
-            </a:prstGeom>
-          </p:spPr>
-          <p:txBody>
-            <a:bodyPr wrap="square" lIns="0" tIns="0" rIns="0" bIns="0" rtlCol="0" anchor="t">
-              <a:spAutoFit/>
-            </a:bodyPr>
-            <a:lstStyle/>
-            <a:p>
-              <a:pPr>
-                <a:lnSpc>
-                  <a:spcPts val="12480"/>
-                </a:lnSpc>
-              </a:pPr>
-              <a:r>
-                <a:rPr lang="en-US" sz="10400" dirty="0">
-                  <a:solidFill>
-                    <a:srgbClr val="292929"/>
-                  </a:solidFill>
-                  <a:latin typeface="Inter"/>
-                </a:rPr>
-                <a:t>STRONG ENTITY SET</a:t>
-              </a:r>
-            </a:p>
-          </p:txBody>
-        </p:sp>
-        <p:sp>
-          <p:nvSpPr>
-            <p:cNvPr id="5" name="TextBox 5"/>
-            <p:cNvSpPr txBox="1"/>
-            <p:nvPr/>
-          </p:nvSpPr>
-          <p:spPr>
-            <a:xfrm>
-              <a:off x="154467" y="2021152"/>
-              <a:ext cx="15181698" cy="657225"/>
-            </a:xfrm>
-            <a:prstGeom prst="rect">
-              <a:avLst/>
-            </a:prstGeom>
-          </p:spPr>
-          <p:txBody>
-            <a:bodyPr lIns="0" tIns="0" rIns="0" bIns="0" rtlCol="0" anchor="t">
-              <a:spAutoFit/>
-            </a:bodyPr>
-            <a:lstStyle/>
-            <a:p>
-              <a:pPr>
-                <a:lnSpc>
-                  <a:spcPts val="3840"/>
-                </a:lnSpc>
-              </a:pPr>
-              <a:r>
-                <a:rPr lang="en-US" sz="3200" dirty="0">
-                  <a:solidFill>
-                    <a:srgbClr val="554D7F"/>
-                  </a:solidFill>
-                  <a:latin typeface="Inter"/>
-                </a:rPr>
-                <a:t>SUB HEADING</a:t>
-              </a:r>
-            </a:p>
-          </p:txBody>
-        </p:sp>
-      </p:grpSp>
-      <p:sp>
-        <p:nvSpPr>
-          <p:cNvPr id="6" name="AutoShape 6"/>
-          <p:cNvSpPr/>
-          <p:nvPr/>
-        </p:nvSpPr>
-        <p:spPr>
-          <a:xfrm>
-            <a:off x="-57373" y="4152900"/>
-            <a:ext cx="19313131" cy="0"/>
-          </a:xfrm>
-          <a:prstGeom prst="line">
-            <a:avLst/>
-          </a:prstGeom>
-          <a:ln w="9525" cap="rnd">
-            <a:solidFill>
-              <a:srgbClr val="554D7F">
-                <a:alpha val="47843"/>
-              </a:srgbClr>
-            </a:solidFill>
-            <a:prstDash val="solid"/>
-            <a:headEnd type="none" w="sm" len="sm"/>
-            <a:tailEnd type="none" w="sm" len="sm"/>
-          </a:ln>
-        </p:spPr>
-      </p:sp>
-      <p:sp>
-        <p:nvSpPr>
-          <p:cNvPr id="7" name="Rectangle: Rounded Corners 6">
+      <p:pic>
+        <p:nvPicPr>
+          <p:cNvPr id="43" name="Picture 2">
             <a:extLst>
               <a:ext uri="{FF2B5EF4-FFF2-40B4-BE49-F238E27FC236}">
-                <a16:creationId xmlns:a16="http://schemas.microsoft.com/office/drawing/2014/main" id="{5388DD3C-0E2E-D8D2-A3A6-8805FC1ED398}"/>
+                <a16:creationId xmlns:a16="http://schemas.microsoft.com/office/drawing/2014/main" id="{AADAC247-88E7-7FEA-7F25-AA6A5EAEF1AB}"/>
               </a:ext>
             </a:extLst>
           </p:cNvPr>
-          <p:cNvSpPr/>
-          <p:nvPr/>
-        </p:nvSpPr>
-        <p:spPr>
-          <a:xfrm>
-            <a:off x="2667000" y="6134100"/>
-            <a:ext cx="3657600" cy="2209787"/>
-          </a:xfrm>
-          <a:prstGeom prst="roundRect">
-            <a:avLst/>
-          </a:prstGeom>
-          <a:noFill/>
-          <a:ln w="12700">
-            <a:solidFill>
-              <a:srgbClr val="292929"/>
-            </a:solidFill>
-          </a:ln>
-        </p:spPr>
-        <p:style>
-          <a:lnRef idx="2">
-            <a:schemeClr val="accent1">
-              <a:shade val="50000"/>
-            </a:schemeClr>
-          </a:lnRef>
-          <a:fillRef idx="1">
-            <a:schemeClr val="accent1"/>
-          </a:fillRef>
-          <a:effectRef idx="0">
-            <a:schemeClr val="accent1"/>
-          </a:effectRef>
-          <a:fontRef idx="minor">
-            <a:schemeClr val="lt1"/>
-          </a:fontRef>
-        </p:style>
-        <p:txBody>
-          <a:bodyPr rtlCol="0" anchor="ctr"/>
-          <a:lstStyle/>
-          <a:p>
-            <a:pPr algn="ctr"/>
-            <a:r>
-              <a:rPr lang="en-US" dirty="0">
-                <a:solidFill>
-                  <a:schemeClr val="tx1"/>
-                </a:solidFill>
-              </a:rPr>
-              <a:t>ENTITY SET</a:t>
-            </a:r>
-            <a:endParaRPr lang="en-IN" dirty="0">
-              <a:solidFill>
-                <a:schemeClr val="tx1"/>
-              </a:solidFill>
-            </a:endParaRPr>
-          </a:p>
-        </p:txBody>
-      </p:sp>
-      <p:sp>
-        <p:nvSpPr>
-          <p:cNvPr id="8" name="Oval 7">
-            <a:extLst>
-              <a:ext uri="{FF2B5EF4-FFF2-40B4-BE49-F238E27FC236}">
-                <a16:creationId xmlns:a16="http://schemas.microsoft.com/office/drawing/2014/main" id="{4D58ED72-E612-FE77-B9DE-EFFA29B58536}"/>
-              </a:ext>
-            </a:extLst>
-          </p:cNvPr>
-          <p:cNvSpPr/>
-          <p:nvPr/>
-        </p:nvSpPr>
-        <p:spPr>
-          <a:xfrm>
-            <a:off x="7641088" y="6109010"/>
-            <a:ext cx="3005824" cy="2209781"/>
-          </a:xfrm>
-          <a:prstGeom prst="ellipse">
-            <a:avLst/>
-          </a:prstGeom>
-          <a:solidFill>
-            <a:schemeClr val="tx1">
-              <a:lumMod val="65000"/>
-              <a:lumOff val="35000"/>
-            </a:schemeClr>
-          </a:solidFill>
-          <a:ln>
-            <a:noFill/>
-          </a:ln>
-        </p:spPr>
-        <p:style>
-          <a:lnRef idx="2">
-            <a:schemeClr val="accent1">
-              <a:shade val="50000"/>
-            </a:schemeClr>
-          </a:lnRef>
-          <a:fillRef idx="1">
-            <a:schemeClr val="accent1"/>
-          </a:fillRef>
-          <a:effectRef idx="0">
-            <a:schemeClr val="accent1"/>
-          </a:effectRef>
-          <a:fontRef idx="minor">
-            <a:schemeClr val="lt1"/>
-          </a:fontRef>
-        </p:style>
-        <p:txBody>
-          <a:bodyPr rtlCol="0" anchor="ctr"/>
-          <a:lstStyle/>
-          <a:p>
-            <a:pPr algn="ctr"/>
-            <a:r>
-              <a:rPr lang="en-US" dirty="0"/>
-              <a:t>ATTRIBUTES</a:t>
-            </a:r>
-            <a:endParaRPr lang="en-IN" dirty="0"/>
-          </a:p>
-        </p:txBody>
-      </p:sp>
-    </p:spTree>
-  </p:cSld>
-  <p:clrMapOvr>
-    <a:masterClrMapping/>
-  </p:clrMapOvr>
-</p:sld>
-</file>
-
-<file path=ppt/slides/slide4.xml><?xml version="1.0" encoding="utf-8"?>
-<p:sld xmlns:a="http://schemas.openxmlformats.org/drawingml/2006/main" xmlns:r="http://schemas.openxmlformats.org/officeDocument/2006/relationships" xmlns:p="http://schemas.openxmlformats.org/presentationml/2006/main">
-  <p:cSld>
-    <p:spTree>
-      <p:nvGrpSpPr>
-        <p:cNvPr id="1" name=""/>
-        <p:cNvGrpSpPr/>
-        <p:nvPr/>
-      </p:nvGrpSpPr>
-      <p:grpSpPr>
-        <a:xfrm>
-          <a:off x="0" y="0"/>
-          <a:ext cx="0" cy="0"/>
-          <a:chOff x="0" y="0"/>
-          <a:chExt cx="0" cy="0"/>
-        </a:xfrm>
-      </p:grpSpPr>
-      <p:pic>
-        <p:nvPicPr>
-          <p:cNvPr id="2" name="Picture 2"/>
           <p:cNvPicPr>
             <a:picLocks noChangeAspect="1"/>
           </p:cNvPicPr>
@@ -3833,186 +3574,3447 @@
         </p:blipFill>
         <p:spPr>
           <a:xfrm>
-            <a:off x="-8630889" y="-6356397"/>
-            <a:ext cx="35755116" cy="20248417"/>
+            <a:off x="25264" y="-125204"/>
+            <a:ext cx="18288000" cy="10412204"/>
           </a:xfrm>
           <a:prstGeom prst="rect">
             <a:avLst/>
           </a:prstGeom>
         </p:spPr>
       </p:pic>
+      <p:grpSp>
+        <p:nvGrpSpPr>
+          <p:cNvPr id="41" name="Group 40">
+            <a:extLst>
+              <a:ext uri="{FF2B5EF4-FFF2-40B4-BE49-F238E27FC236}">
+                <a16:creationId xmlns:a16="http://schemas.microsoft.com/office/drawing/2014/main" id="{780752BB-E6EA-C938-49D2-11717754CA22}"/>
+              </a:ext>
+            </a:extLst>
+          </p:cNvPr>
+          <p:cNvGrpSpPr/>
+          <p:nvPr/>
+        </p:nvGrpSpPr>
+        <p:grpSpPr>
+          <a:xfrm>
+            <a:off x="634337" y="4804426"/>
+            <a:ext cx="6495768" cy="5243134"/>
+            <a:chOff x="578807" y="4859716"/>
+            <a:chExt cx="6495768" cy="5243134"/>
+          </a:xfrm>
+        </p:grpSpPr>
+        <p:cxnSp>
+          <p:nvCxnSpPr>
+            <p:cNvPr id="34" name="Straight Arrow Connector 33">
+              <a:extLst>
+                <a:ext uri="{FF2B5EF4-FFF2-40B4-BE49-F238E27FC236}">
+                  <a16:creationId xmlns:a16="http://schemas.microsoft.com/office/drawing/2014/main" id="{331907DE-97BF-A054-B9C0-64A5CBB8359B}"/>
+                </a:ext>
+              </a:extLst>
+            </p:cNvPr>
+            <p:cNvCxnSpPr>
+              <a:cxnSpLocks/>
+            </p:cNvCxnSpPr>
+            <p:nvPr/>
+          </p:nvCxnSpPr>
+          <p:spPr>
+            <a:xfrm flipH="1">
+              <a:off x="4908080" y="5999314"/>
+              <a:ext cx="974542" cy="1265955"/>
+            </a:xfrm>
+            <a:prstGeom prst="straightConnector1">
+              <a:avLst/>
+            </a:prstGeom>
+            <a:ln>
+              <a:solidFill>
+                <a:schemeClr val="tx1"/>
+              </a:solidFill>
+            </a:ln>
+          </p:spPr>
+          <p:style>
+            <a:lnRef idx="1">
+              <a:schemeClr val="accent1"/>
+            </a:lnRef>
+            <a:fillRef idx="0">
+              <a:schemeClr val="accent1"/>
+            </a:fillRef>
+            <a:effectRef idx="0">
+              <a:schemeClr val="accent1"/>
+            </a:effectRef>
+            <a:fontRef idx="minor">
+              <a:schemeClr val="tx1"/>
+            </a:fontRef>
+          </p:style>
+        </p:cxnSp>
+        <p:grpSp>
+          <p:nvGrpSpPr>
+            <p:cNvPr id="62" name="Group 61">
+              <a:extLst>
+                <a:ext uri="{FF2B5EF4-FFF2-40B4-BE49-F238E27FC236}">
+                  <a16:creationId xmlns:a16="http://schemas.microsoft.com/office/drawing/2014/main" id="{22CEC3D3-B5C7-184B-5B9C-229061E51AC4}"/>
+                </a:ext>
+              </a:extLst>
+            </p:cNvPr>
+            <p:cNvGrpSpPr/>
+            <p:nvPr/>
+          </p:nvGrpSpPr>
+          <p:grpSpPr>
+            <a:xfrm>
+              <a:off x="578807" y="4926164"/>
+              <a:ext cx="6495768" cy="5176686"/>
+              <a:chOff x="578807" y="4926164"/>
+              <a:chExt cx="6495768" cy="5176686"/>
+            </a:xfrm>
+            <a:solidFill>
+              <a:schemeClr val="tx2">
+                <a:lumMod val="40000"/>
+                <a:lumOff val="60000"/>
+              </a:schemeClr>
+            </a:solidFill>
+          </p:grpSpPr>
+          <p:cxnSp>
+            <p:nvCxnSpPr>
+              <p:cNvPr id="56" name="Straight Arrow Connector 55">
+                <a:extLst>
+                  <a:ext uri="{FF2B5EF4-FFF2-40B4-BE49-F238E27FC236}">
+                    <a16:creationId xmlns:a16="http://schemas.microsoft.com/office/drawing/2014/main" id="{4E7ECCB3-B097-F6F3-C88A-A777D0DFFC78}"/>
+                  </a:ext>
+                </a:extLst>
+              </p:cNvPr>
+              <p:cNvCxnSpPr>
+                <a:cxnSpLocks/>
+              </p:cNvCxnSpPr>
+              <p:nvPr/>
+            </p:nvCxnSpPr>
+            <p:spPr>
+              <a:xfrm flipH="1" flipV="1">
+                <a:off x="5281678" y="8327068"/>
+                <a:ext cx="807929" cy="713983"/>
+              </a:xfrm>
+              <a:prstGeom prst="straightConnector1">
+                <a:avLst/>
+              </a:prstGeom>
+              <a:grpFill/>
+              <a:ln w="28575">
+                <a:solidFill>
+                  <a:srgbClr val="292929"/>
+                </a:solidFill>
+              </a:ln>
+            </p:spPr>
+            <p:style>
+              <a:lnRef idx="1">
+                <a:schemeClr val="accent1"/>
+              </a:lnRef>
+              <a:fillRef idx="0">
+                <a:schemeClr val="accent1"/>
+              </a:fillRef>
+              <a:effectRef idx="0">
+                <a:schemeClr val="accent1"/>
+              </a:effectRef>
+              <a:fontRef idx="minor">
+                <a:schemeClr val="tx1"/>
+              </a:fontRef>
+            </p:style>
+          </p:cxnSp>
+          <p:cxnSp>
+            <p:nvCxnSpPr>
+              <p:cNvPr id="57" name="Straight Arrow Connector 56">
+                <a:extLst>
+                  <a:ext uri="{FF2B5EF4-FFF2-40B4-BE49-F238E27FC236}">
+                    <a16:creationId xmlns:a16="http://schemas.microsoft.com/office/drawing/2014/main" id="{BC68EE84-2770-8908-A04C-05A47FC22A6B}"/>
+                  </a:ext>
+                </a:extLst>
+              </p:cNvPr>
+              <p:cNvCxnSpPr>
+                <a:cxnSpLocks/>
+              </p:cNvCxnSpPr>
+              <p:nvPr/>
+            </p:nvCxnSpPr>
+            <p:spPr>
+              <a:xfrm>
+                <a:off x="2472716" y="6880311"/>
+                <a:ext cx="898741" cy="522962"/>
+              </a:xfrm>
+              <a:prstGeom prst="straightConnector1">
+                <a:avLst/>
+              </a:prstGeom>
+              <a:grpFill/>
+              <a:ln w="28575">
+                <a:solidFill>
+                  <a:srgbClr val="292929"/>
+                </a:solidFill>
+              </a:ln>
+            </p:spPr>
+            <p:style>
+              <a:lnRef idx="1">
+                <a:schemeClr val="accent1"/>
+              </a:lnRef>
+              <a:fillRef idx="0">
+                <a:schemeClr val="accent1"/>
+              </a:fillRef>
+              <a:effectRef idx="0">
+                <a:schemeClr val="accent1"/>
+              </a:effectRef>
+              <a:fontRef idx="minor">
+                <a:schemeClr val="tx1"/>
+              </a:fontRef>
+            </p:style>
+          </p:cxnSp>
+          <p:cxnSp>
+            <p:nvCxnSpPr>
+              <p:cNvPr id="58" name="Straight Arrow Connector 57">
+                <a:extLst>
+                  <a:ext uri="{FF2B5EF4-FFF2-40B4-BE49-F238E27FC236}">
+                    <a16:creationId xmlns:a16="http://schemas.microsoft.com/office/drawing/2014/main" id="{79742B20-FA6A-ADEF-588E-D2B867B7F7B1}"/>
+                  </a:ext>
+                </a:extLst>
+              </p:cNvPr>
+              <p:cNvCxnSpPr>
+                <a:cxnSpLocks/>
+              </p:cNvCxnSpPr>
+              <p:nvPr/>
+            </p:nvCxnSpPr>
+            <p:spPr>
+              <a:xfrm flipV="1">
+                <a:off x="2472716" y="7763396"/>
+                <a:ext cx="914399" cy="557408"/>
+              </a:xfrm>
+              <a:prstGeom prst="straightConnector1">
+                <a:avLst/>
+              </a:prstGeom>
+              <a:grpFill/>
+              <a:ln w="28575">
+                <a:solidFill>
+                  <a:srgbClr val="292929"/>
+                </a:solidFill>
+              </a:ln>
+            </p:spPr>
+            <p:style>
+              <a:lnRef idx="1">
+                <a:schemeClr val="accent1"/>
+              </a:lnRef>
+              <a:fillRef idx="0">
+                <a:schemeClr val="accent1"/>
+              </a:fillRef>
+              <a:effectRef idx="0">
+                <a:schemeClr val="accent1"/>
+              </a:effectRef>
+              <a:fontRef idx="minor">
+                <a:schemeClr val="tx1"/>
+              </a:fontRef>
+            </p:style>
+          </p:cxnSp>
+          <p:cxnSp>
+            <p:nvCxnSpPr>
+              <p:cNvPr id="59" name="Straight Arrow Connector 58">
+                <a:extLst>
+                  <a:ext uri="{FF2B5EF4-FFF2-40B4-BE49-F238E27FC236}">
+                    <a16:creationId xmlns:a16="http://schemas.microsoft.com/office/drawing/2014/main" id="{4DB90698-4EFD-49FA-B31C-38C0C6B39D52}"/>
+                  </a:ext>
+                </a:extLst>
+              </p:cNvPr>
+              <p:cNvCxnSpPr>
+                <a:cxnSpLocks/>
+              </p:cNvCxnSpPr>
+              <p:nvPr/>
+            </p:nvCxnSpPr>
+            <p:spPr>
+              <a:xfrm flipV="1">
+                <a:off x="3819264" y="8295753"/>
+                <a:ext cx="710852" cy="745298"/>
+              </a:xfrm>
+              <a:prstGeom prst="straightConnector1">
+                <a:avLst/>
+              </a:prstGeom>
+              <a:grpFill/>
+              <a:ln w="28575">
+                <a:solidFill>
+                  <a:srgbClr val="292929"/>
+                </a:solidFill>
+              </a:ln>
+            </p:spPr>
+            <p:style>
+              <a:lnRef idx="1">
+                <a:schemeClr val="accent1"/>
+              </a:lnRef>
+              <a:fillRef idx="0">
+                <a:schemeClr val="accent1"/>
+              </a:fillRef>
+              <a:effectRef idx="0">
+                <a:schemeClr val="accent1"/>
+              </a:effectRef>
+              <a:fontRef idx="minor">
+                <a:schemeClr val="tx1"/>
+              </a:fontRef>
+            </p:style>
+          </p:cxnSp>
+          <p:cxnSp>
+            <p:nvCxnSpPr>
+              <p:cNvPr id="60" name="Straight Arrow Connector 59">
+                <a:extLst>
+                  <a:ext uri="{FF2B5EF4-FFF2-40B4-BE49-F238E27FC236}">
+                    <a16:creationId xmlns:a16="http://schemas.microsoft.com/office/drawing/2014/main" id="{29688DDB-3E96-F10E-8E23-1E3E7A6A36D6}"/>
+                  </a:ext>
+                </a:extLst>
+              </p:cNvPr>
+              <p:cNvCxnSpPr>
+                <a:cxnSpLocks/>
+                <a:endCxn id="23" idx="4"/>
+              </p:cNvCxnSpPr>
+              <p:nvPr/>
+            </p:nvCxnSpPr>
+            <p:spPr>
+              <a:xfrm flipH="1" flipV="1">
+                <a:off x="3496719" y="5999314"/>
+                <a:ext cx="1168052" cy="1100202"/>
+              </a:xfrm>
+              <a:prstGeom prst="straightConnector1">
+                <a:avLst/>
+              </a:prstGeom>
+              <a:grpFill/>
+              <a:ln w="28575">
+                <a:solidFill>
+                  <a:srgbClr val="292929"/>
+                </a:solidFill>
+              </a:ln>
+            </p:spPr>
+            <p:style>
+              <a:lnRef idx="1">
+                <a:schemeClr val="accent1"/>
+              </a:lnRef>
+              <a:fillRef idx="0">
+                <a:schemeClr val="accent1"/>
+              </a:fillRef>
+              <a:effectRef idx="0">
+                <a:schemeClr val="accent1"/>
+              </a:effectRef>
+              <a:fontRef idx="minor">
+                <a:schemeClr val="tx1"/>
+              </a:fontRef>
+            </p:style>
+          </p:cxnSp>
+          <p:sp>
+            <p:nvSpPr>
+              <p:cNvPr id="23" name="Oval 22">
+                <a:extLst>
+                  <a:ext uri="{FF2B5EF4-FFF2-40B4-BE49-F238E27FC236}">
+                    <a16:creationId xmlns:a16="http://schemas.microsoft.com/office/drawing/2014/main" id="{F1711ECE-4140-6A02-7ACA-B86899513E0F}"/>
+                  </a:ext>
+                </a:extLst>
+              </p:cNvPr>
+              <p:cNvSpPr/>
+              <p:nvPr/>
+            </p:nvSpPr>
+            <p:spPr>
+              <a:xfrm>
+                <a:off x="2521200" y="4926164"/>
+                <a:ext cx="1951038" cy="1073150"/>
+              </a:xfrm>
+              <a:prstGeom prst="ellipse">
+                <a:avLst/>
+              </a:prstGeom>
+              <a:grpFill/>
+            </p:spPr>
+            <p:style>
+              <a:lnRef idx="2">
+                <a:schemeClr val="accent1">
+                  <a:shade val="50000"/>
+                </a:schemeClr>
+              </a:lnRef>
+              <a:fillRef idx="1">
+                <a:schemeClr val="accent1"/>
+              </a:fillRef>
+              <a:effectRef idx="0">
+                <a:schemeClr val="accent1"/>
+              </a:effectRef>
+              <a:fontRef idx="minor">
+                <a:schemeClr val="lt1"/>
+              </a:fontRef>
+            </p:style>
+            <p:txBody>
+              <a:bodyPr rtlCol="0" anchor="ctr"/>
+              <a:lstStyle/>
+              <a:p>
+                <a:pPr algn="ctr"/>
+                <a:r>
+                  <a:rPr lang="en-GB" sz="2400" b="1" u="sng" dirty="0">
+                    <a:solidFill>
+                      <a:schemeClr val="tx1"/>
+                    </a:solidFill>
+                  </a:rPr>
+                  <a:t>Owner ID</a:t>
+                </a:r>
+                <a:endParaRPr lang="en-US" sz="2400" b="1" u="sng" dirty="0">
+                  <a:solidFill>
+                    <a:schemeClr val="tx1"/>
+                  </a:solidFill>
+                </a:endParaRPr>
+              </a:p>
+            </p:txBody>
+          </p:sp>
+          <p:sp>
+            <p:nvSpPr>
+              <p:cNvPr id="24" name="Oval 23">
+                <a:extLst>
+                  <a:ext uri="{FF2B5EF4-FFF2-40B4-BE49-F238E27FC236}">
+                    <a16:creationId xmlns:a16="http://schemas.microsoft.com/office/drawing/2014/main" id="{886EFB44-4213-70B3-F27E-24F5C88DA519}"/>
+                  </a:ext>
+                </a:extLst>
+              </p:cNvPr>
+              <p:cNvSpPr/>
+              <p:nvPr/>
+            </p:nvSpPr>
+            <p:spPr>
+              <a:xfrm>
+                <a:off x="578807" y="6398060"/>
+                <a:ext cx="1951038" cy="1073150"/>
+              </a:xfrm>
+              <a:prstGeom prst="ellipse">
+                <a:avLst/>
+              </a:prstGeom>
+              <a:grpFill/>
+            </p:spPr>
+            <p:style>
+              <a:lnRef idx="2">
+                <a:schemeClr val="accent1">
+                  <a:shade val="50000"/>
+                </a:schemeClr>
+              </a:lnRef>
+              <a:fillRef idx="1">
+                <a:schemeClr val="accent1"/>
+              </a:fillRef>
+              <a:effectRef idx="0">
+                <a:schemeClr val="accent1"/>
+              </a:effectRef>
+              <a:fontRef idx="minor">
+                <a:schemeClr val="lt1"/>
+              </a:fontRef>
+            </p:style>
+            <p:txBody>
+              <a:bodyPr rtlCol="0" anchor="ctr"/>
+              <a:lstStyle/>
+              <a:p>
+                <a:pPr algn="ctr"/>
+                <a:r>
+                  <a:rPr lang="en-GB" sz="2400">
+                    <a:solidFill>
+                      <a:schemeClr val="tx1"/>
+                    </a:solidFill>
+                  </a:rPr>
+                  <a:t>Owner Name</a:t>
+                </a:r>
+                <a:endParaRPr lang="en-US" sz="2400">
+                  <a:solidFill>
+                    <a:schemeClr val="tx1"/>
+                  </a:solidFill>
+                </a:endParaRPr>
+              </a:p>
+            </p:txBody>
+          </p:sp>
+          <p:sp>
+            <p:nvSpPr>
+              <p:cNvPr id="25" name="Oval 24">
+                <a:extLst>
+                  <a:ext uri="{FF2B5EF4-FFF2-40B4-BE49-F238E27FC236}">
+                    <a16:creationId xmlns:a16="http://schemas.microsoft.com/office/drawing/2014/main" id="{F489DDDE-480D-E927-BB20-8C573BE3B962}"/>
+                  </a:ext>
+                </a:extLst>
+              </p:cNvPr>
+              <p:cNvSpPr/>
+              <p:nvPr/>
+            </p:nvSpPr>
+            <p:spPr>
+              <a:xfrm>
+                <a:off x="578807" y="7875371"/>
+                <a:ext cx="1951038" cy="1073150"/>
+              </a:xfrm>
+              <a:prstGeom prst="ellipse">
+                <a:avLst/>
+              </a:prstGeom>
+              <a:grpFill/>
+            </p:spPr>
+            <p:style>
+              <a:lnRef idx="2">
+                <a:schemeClr val="accent1">
+                  <a:shade val="50000"/>
+                </a:schemeClr>
+              </a:lnRef>
+              <a:fillRef idx="1">
+                <a:schemeClr val="accent1"/>
+              </a:fillRef>
+              <a:effectRef idx="0">
+                <a:schemeClr val="accent1"/>
+              </a:effectRef>
+              <a:fontRef idx="minor">
+                <a:schemeClr val="lt1"/>
+              </a:fontRef>
+            </p:style>
+            <p:txBody>
+              <a:bodyPr rtlCol="0" anchor="ctr"/>
+              <a:lstStyle/>
+              <a:p>
+                <a:pPr algn="ctr"/>
+                <a:r>
+                  <a:rPr lang="en-GB" sz="2400">
+                    <a:solidFill>
+                      <a:schemeClr val="tx1"/>
+                    </a:solidFill>
+                  </a:rPr>
+                  <a:t>Owner Contact</a:t>
+                </a:r>
+                <a:endParaRPr lang="en-US" sz="2400">
+                  <a:solidFill>
+                    <a:schemeClr val="tx1"/>
+                  </a:solidFill>
+                </a:endParaRPr>
+              </a:p>
+            </p:txBody>
+          </p:sp>
+          <p:sp>
+            <p:nvSpPr>
+              <p:cNvPr id="26" name="Oval 25">
+                <a:extLst>
+                  <a:ext uri="{FF2B5EF4-FFF2-40B4-BE49-F238E27FC236}">
+                    <a16:creationId xmlns:a16="http://schemas.microsoft.com/office/drawing/2014/main" id="{F397FC71-A2EE-5B66-B82F-62A02156262B}"/>
+                  </a:ext>
+                </a:extLst>
+              </p:cNvPr>
+              <p:cNvSpPr/>
+              <p:nvPr/>
+            </p:nvSpPr>
+            <p:spPr>
+              <a:xfrm>
+                <a:off x="2900319" y="9029700"/>
+                <a:ext cx="1951038" cy="1073150"/>
+              </a:xfrm>
+              <a:prstGeom prst="ellipse">
+                <a:avLst/>
+              </a:prstGeom>
+              <a:grpFill/>
+            </p:spPr>
+            <p:style>
+              <a:lnRef idx="2">
+                <a:schemeClr val="accent1">
+                  <a:shade val="50000"/>
+                </a:schemeClr>
+              </a:lnRef>
+              <a:fillRef idx="1">
+                <a:schemeClr val="accent1"/>
+              </a:fillRef>
+              <a:effectRef idx="0">
+                <a:schemeClr val="accent1"/>
+              </a:effectRef>
+              <a:fontRef idx="minor">
+                <a:schemeClr val="lt1"/>
+              </a:fontRef>
+            </p:style>
+            <p:txBody>
+              <a:bodyPr rtlCol="0" anchor="ctr"/>
+              <a:lstStyle/>
+              <a:p>
+                <a:pPr algn="ctr"/>
+                <a:r>
+                  <a:rPr lang="en-GB" sz="2400">
+                    <a:solidFill>
+                      <a:schemeClr val="tx1"/>
+                    </a:solidFill>
+                  </a:rPr>
+                  <a:t>Purchase Date</a:t>
+                </a:r>
+                <a:endParaRPr lang="en-US" sz="2400">
+                  <a:solidFill>
+                    <a:schemeClr val="tx1"/>
+                  </a:solidFill>
+                </a:endParaRPr>
+              </a:p>
+            </p:txBody>
+          </p:sp>
+          <p:sp>
+            <p:nvSpPr>
+              <p:cNvPr id="27" name="Oval 26">
+                <a:extLst>
+                  <a:ext uri="{FF2B5EF4-FFF2-40B4-BE49-F238E27FC236}">
+                    <a16:creationId xmlns:a16="http://schemas.microsoft.com/office/drawing/2014/main" id="{3C2E044D-1C7C-E7C9-E745-6A22D39F0948}"/>
+                  </a:ext>
+                </a:extLst>
+              </p:cNvPr>
+              <p:cNvSpPr/>
+              <p:nvPr/>
+            </p:nvSpPr>
+            <p:spPr>
+              <a:xfrm>
+                <a:off x="5123537" y="9029700"/>
+                <a:ext cx="1951038" cy="1073150"/>
+              </a:xfrm>
+              <a:prstGeom prst="ellipse">
+                <a:avLst/>
+              </a:prstGeom>
+              <a:grpFill/>
+            </p:spPr>
+            <p:style>
+              <a:lnRef idx="2">
+                <a:schemeClr val="accent1">
+                  <a:shade val="50000"/>
+                </a:schemeClr>
+              </a:lnRef>
+              <a:fillRef idx="1">
+                <a:schemeClr val="accent1"/>
+              </a:fillRef>
+              <a:effectRef idx="0">
+                <a:schemeClr val="accent1"/>
+              </a:effectRef>
+              <a:fontRef idx="minor">
+                <a:schemeClr val="lt1"/>
+              </a:fontRef>
+            </p:style>
+            <p:txBody>
+              <a:bodyPr rtlCol="0" anchor="ctr"/>
+              <a:lstStyle/>
+              <a:p>
+                <a:pPr algn="ctr"/>
+                <a:r>
+                  <a:rPr lang="en-GB" sz="2000" dirty="0">
+                    <a:solidFill>
+                      <a:schemeClr val="tx1"/>
+                    </a:solidFill>
+                  </a:rPr>
+                  <a:t>Maintenance charges</a:t>
+                </a:r>
+                <a:endParaRPr lang="en-US" sz="2000" dirty="0">
+                  <a:solidFill>
+                    <a:schemeClr val="tx1"/>
+                  </a:solidFill>
+                </a:endParaRPr>
+              </a:p>
+            </p:txBody>
+          </p:sp>
+        </p:grpSp>
+        <p:sp>
+          <p:nvSpPr>
+            <p:cNvPr id="12" name="Oval 11">
+              <a:extLst>
+                <a:ext uri="{FF2B5EF4-FFF2-40B4-BE49-F238E27FC236}">
+                  <a16:creationId xmlns:a16="http://schemas.microsoft.com/office/drawing/2014/main" id="{C468F7C0-7862-AE30-0DC1-B11E1C8D028E}"/>
+                </a:ext>
+              </a:extLst>
+            </p:cNvPr>
+            <p:cNvSpPr/>
+            <p:nvPr/>
+          </p:nvSpPr>
+          <p:spPr>
+            <a:xfrm>
+              <a:off x="5101369" y="4859716"/>
+              <a:ext cx="1951038" cy="1231899"/>
+            </a:xfrm>
+            <a:prstGeom prst="ellipse">
+              <a:avLst/>
+            </a:prstGeom>
+            <a:solidFill>
+              <a:schemeClr val="tx2">
+                <a:lumMod val="40000"/>
+                <a:lumOff val="60000"/>
+              </a:schemeClr>
+            </a:solidFill>
+            <a:ln>
+              <a:solidFill>
+                <a:schemeClr val="accent1"/>
+              </a:solidFill>
+            </a:ln>
+          </p:spPr>
+          <p:style>
+            <a:lnRef idx="2">
+              <a:schemeClr val="accent1">
+                <a:shade val="50000"/>
+              </a:schemeClr>
+            </a:lnRef>
+            <a:fillRef idx="1">
+              <a:schemeClr val="accent1"/>
+            </a:fillRef>
+            <a:effectRef idx="0">
+              <a:schemeClr val="accent1"/>
+            </a:effectRef>
+            <a:fontRef idx="minor">
+              <a:schemeClr val="lt1"/>
+            </a:fontRef>
+          </p:style>
+          <p:txBody>
+            <a:bodyPr rtlCol="0" anchor="ctr"/>
+            <a:lstStyle/>
+            <a:p>
+              <a:pPr algn="ctr"/>
+              <a:r>
+                <a:rPr lang="en-GB" sz="2400" b="1" i="1" dirty="0">
+                  <a:solidFill>
+                    <a:schemeClr val="tx1"/>
+                  </a:solidFill>
+                </a:rPr>
+                <a:t>Appt. ID</a:t>
+              </a:r>
+              <a:endParaRPr lang="en-US" sz="2400" b="1" i="1" dirty="0">
+                <a:solidFill>
+                  <a:schemeClr val="tx1"/>
+                </a:solidFill>
+              </a:endParaRPr>
+            </a:p>
+          </p:txBody>
+        </p:sp>
+      </p:grpSp>
+      <p:grpSp>
+        <p:nvGrpSpPr>
+          <p:cNvPr id="66" name="Group 65">
+            <a:extLst>
+              <a:ext uri="{FF2B5EF4-FFF2-40B4-BE49-F238E27FC236}">
+                <a16:creationId xmlns:a16="http://schemas.microsoft.com/office/drawing/2014/main" id="{2A78A9FE-5634-1118-0BA2-3574BA78467D}"/>
+              </a:ext>
+            </a:extLst>
+          </p:cNvPr>
+          <p:cNvGrpSpPr/>
+          <p:nvPr/>
+        </p:nvGrpSpPr>
+        <p:grpSpPr>
+          <a:xfrm>
+            <a:off x="437889" y="249238"/>
+            <a:ext cx="6582798" cy="3800800"/>
+            <a:chOff x="437889" y="249238"/>
+            <a:chExt cx="6582798" cy="3800800"/>
+          </a:xfrm>
+          <a:solidFill>
+            <a:schemeClr val="tx2">
+              <a:lumMod val="40000"/>
+              <a:lumOff val="60000"/>
+            </a:schemeClr>
+          </a:solidFill>
+        </p:grpSpPr>
+        <p:cxnSp>
+          <p:nvCxnSpPr>
+            <p:cNvPr id="45" name="Straight Arrow Connector 44">
+              <a:extLst>
+                <a:ext uri="{FF2B5EF4-FFF2-40B4-BE49-F238E27FC236}">
+                  <a16:creationId xmlns:a16="http://schemas.microsoft.com/office/drawing/2014/main" id="{D8885A3B-4420-CD71-B63A-50308B0223DC}"/>
+                </a:ext>
+              </a:extLst>
+            </p:cNvPr>
+            <p:cNvCxnSpPr/>
+            <p:nvPr/>
+          </p:nvCxnSpPr>
+          <p:spPr>
+            <a:xfrm flipV="1">
+              <a:off x="2738895" y="2831274"/>
+              <a:ext cx="757824" cy="635695"/>
+            </a:xfrm>
+            <a:prstGeom prst="straightConnector1">
+              <a:avLst/>
+            </a:prstGeom>
+            <a:grpFill/>
+            <a:ln w="28575">
+              <a:solidFill>
+                <a:srgbClr val="292929"/>
+              </a:solidFill>
+            </a:ln>
+          </p:spPr>
+          <p:style>
+            <a:lnRef idx="1">
+              <a:schemeClr val="accent1"/>
+            </a:lnRef>
+            <a:fillRef idx="0">
+              <a:schemeClr val="accent1"/>
+            </a:fillRef>
+            <a:effectRef idx="0">
+              <a:schemeClr val="accent1"/>
+            </a:effectRef>
+            <a:fontRef idx="minor">
+              <a:schemeClr val="tx1"/>
+            </a:fontRef>
+          </p:style>
+        </p:cxnSp>
+        <p:cxnSp>
+          <p:nvCxnSpPr>
+            <p:cNvPr id="46" name="Straight Arrow Connector 45">
+              <a:extLst>
+                <a:ext uri="{FF2B5EF4-FFF2-40B4-BE49-F238E27FC236}">
+                  <a16:creationId xmlns:a16="http://schemas.microsoft.com/office/drawing/2014/main" id="{DBEF0665-1B22-F925-4AC6-C54E17907DC7}"/>
+                </a:ext>
+              </a:extLst>
+            </p:cNvPr>
+            <p:cNvCxnSpPr>
+              <a:cxnSpLocks/>
+            </p:cNvCxnSpPr>
+            <p:nvPr/>
+          </p:nvCxnSpPr>
+          <p:spPr>
+            <a:xfrm>
+              <a:off x="2472716" y="1885559"/>
+              <a:ext cx="977029" cy="616906"/>
+            </a:xfrm>
+            <a:prstGeom prst="straightConnector1">
+              <a:avLst/>
+            </a:prstGeom>
+            <a:grpFill/>
+            <a:ln w="28575">
+              <a:solidFill>
+                <a:srgbClr val="292929"/>
+              </a:solidFill>
+            </a:ln>
+          </p:spPr>
+          <p:style>
+            <a:lnRef idx="1">
+              <a:schemeClr val="accent1"/>
+            </a:lnRef>
+            <a:fillRef idx="0">
+              <a:schemeClr val="accent1"/>
+            </a:fillRef>
+            <a:effectRef idx="0">
+              <a:schemeClr val="accent1"/>
+            </a:effectRef>
+            <a:fontRef idx="minor">
+              <a:schemeClr val="tx1"/>
+            </a:fontRef>
+          </p:style>
+        </p:cxnSp>
+        <p:cxnSp>
+          <p:nvCxnSpPr>
+            <p:cNvPr id="47" name="Straight Arrow Connector 46">
+              <a:extLst>
+                <a:ext uri="{FF2B5EF4-FFF2-40B4-BE49-F238E27FC236}">
+                  <a16:creationId xmlns:a16="http://schemas.microsoft.com/office/drawing/2014/main" id="{EC1F6F7B-01D4-0EB2-A906-81712919EE3C}"/>
+                </a:ext>
+              </a:extLst>
+            </p:cNvPr>
+            <p:cNvCxnSpPr>
+              <a:cxnSpLocks/>
+            </p:cNvCxnSpPr>
+            <p:nvPr/>
+          </p:nvCxnSpPr>
+          <p:spPr>
+            <a:xfrm>
+              <a:off x="3803605" y="1290573"/>
+              <a:ext cx="836113" cy="820454"/>
+            </a:xfrm>
+            <a:prstGeom prst="straightConnector1">
+              <a:avLst/>
+            </a:prstGeom>
+            <a:grpFill/>
+            <a:ln w="28575">
+              <a:solidFill>
+                <a:srgbClr val="292929"/>
+              </a:solidFill>
+            </a:ln>
+          </p:spPr>
+          <p:style>
+            <a:lnRef idx="1">
+              <a:schemeClr val="accent1"/>
+            </a:lnRef>
+            <a:fillRef idx="0">
+              <a:schemeClr val="accent1"/>
+            </a:fillRef>
+            <a:effectRef idx="0">
+              <a:schemeClr val="accent1"/>
+            </a:effectRef>
+            <a:fontRef idx="minor">
+              <a:schemeClr val="tx1"/>
+            </a:fontRef>
+          </p:style>
+        </p:cxnSp>
+        <p:cxnSp>
+          <p:nvCxnSpPr>
+            <p:cNvPr id="50" name="Straight Arrow Connector 49">
+              <a:extLst>
+                <a:ext uri="{FF2B5EF4-FFF2-40B4-BE49-F238E27FC236}">
+                  <a16:creationId xmlns:a16="http://schemas.microsoft.com/office/drawing/2014/main" id="{3D377806-EED9-251B-CD87-9C75874F56F0}"/>
+                </a:ext>
+              </a:extLst>
+            </p:cNvPr>
+            <p:cNvCxnSpPr>
+              <a:cxnSpLocks/>
+            </p:cNvCxnSpPr>
+            <p:nvPr/>
+          </p:nvCxnSpPr>
+          <p:spPr>
+            <a:xfrm flipV="1">
+              <a:off x="4774376" y="1296836"/>
+              <a:ext cx="1227549" cy="776612"/>
+            </a:xfrm>
+            <a:prstGeom prst="straightConnector1">
+              <a:avLst/>
+            </a:prstGeom>
+            <a:grpFill/>
+            <a:ln w="28575">
+              <a:solidFill>
+                <a:srgbClr val="292929"/>
+              </a:solidFill>
+            </a:ln>
+          </p:spPr>
+          <p:style>
+            <a:lnRef idx="1">
+              <a:schemeClr val="accent1"/>
+            </a:lnRef>
+            <a:fillRef idx="0">
+              <a:schemeClr val="accent1"/>
+            </a:fillRef>
+            <a:effectRef idx="0">
+              <a:schemeClr val="accent1"/>
+            </a:effectRef>
+            <a:fontRef idx="minor">
+              <a:schemeClr val="tx1"/>
+            </a:fontRef>
+          </p:style>
+        </p:cxnSp>
+        <p:sp>
+          <p:nvSpPr>
+            <p:cNvPr id="10" name="Oval 9">
+              <a:extLst>
+                <a:ext uri="{FF2B5EF4-FFF2-40B4-BE49-F238E27FC236}">
+                  <a16:creationId xmlns:a16="http://schemas.microsoft.com/office/drawing/2014/main" id="{23089EFE-3DDD-414E-A41E-20E94F380153}"/>
+                </a:ext>
+              </a:extLst>
+            </p:cNvPr>
+            <p:cNvSpPr/>
+            <p:nvPr/>
+          </p:nvSpPr>
+          <p:spPr>
+            <a:xfrm>
+              <a:off x="437889" y="2773341"/>
+              <a:ext cx="2326818" cy="1276697"/>
+            </a:xfrm>
+            <a:prstGeom prst="ellipse">
+              <a:avLst/>
+            </a:prstGeom>
+            <a:grpFill/>
+          </p:spPr>
+          <p:style>
+            <a:lnRef idx="2">
+              <a:schemeClr val="accent1">
+                <a:shade val="50000"/>
+              </a:schemeClr>
+            </a:lnRef>
+            <a:fillRef idx="1">
+              <a:schemeClr val="accent1"/>
+            </a:fillRef>
+            <a:effectRef idx="0">
+              <a:schemeClr val="accent1"/>
+            </a:effectRef>
+            <a:fontRef idx="minor">
+              <a:schemeClr val="lt1"/>
+            </a:fontRef>
+          </p:style>
+          <p:txBody>
+            <a:bodyPr rtlCol="0" anchor="ctr"/>
+            <a:lstStyle/>
+            <a:p>
+              <a:pPr algn="ctr"/>
+              <a:endParaRPr lang="en-US"/>
+            </a:p>
+          </p:txBody>
+        </p:sp>
+        <p:sp>
+          <p:nvSpPr>
+            <p:cNvPr id="13" name="Oval 12">
+              <a:extLst>
+                <a:ext uri="{FF2B5EF4-FFF2-40B4-BE49-F238E27FC236}">
+                  <a16:creationId xmlns:a16="http://schemas.microsoft.com/office/drawing/2014/main" id="{6E55687F-3441-4E04-2188-1B09C5C161AA}"/>
+                </a:ext>
+              </a:extLst>
+            </p:cNvPr>
+            <p:cNvSpPr/>
+            <p:nvPr/>
+          </p:nvSpPr>
+          <p:spPr>
+            <a:xfrm>
+              <a:off x="578807" y="1294292"/>
+              <a:ext cx="1951038" cy="1073150"/>
+            </a:xfrm>
+            <a:prstGeom prst="ellipse">
+              <a:avLst/>
+            </a:prstGeom>
+            <a:grpFill/>
+          </p:spPr>
+          <p:style>
+            <a:lnRef idx="2">
+              <a:schemeClr val="accent1">
+                <a:shade val="50000"/>
+              </a:schemeClr>
+            </a:lnRef>
+            <a:fillRef idx="1">
+              <a:schemeClr val="accent1"/>
+            </a:fillRef>
+            <a:effectRef idx="0">
+              <a:schemeClr val="accent1"/>
+            </a:effectRef>
+            <a:fontRef idx="minor">
+              <a:schemeClr val="lt1"/>
+            </a:fontRef>
+          </p:style>
+          <p:txBody>
+            <a:bodyPr rtlCol="0" anchor="ctr"/>
+            <a:lstStyle/>
+            <a:p>
+              <a:pPr algn="ctr"/>
+              <a:r>
+                <a:rPr lang="en-US" sz="2400">
+                  <a:solidFill>
+                    <a:schemeClr val="tx1"/>
+                  </a:solidFill>
+                </a:rPr>
+                <a:t>No. of Elevators</a:t>
+              </a:r>
+            </a:p>
+          </p:txBody>
+        </p:sp>
+        <p:sp>
+          <p:nvSpPr>
+            <p:cNvPr id="14" name="Oval 13">
+              <a:extLst>
+                <a:ext uri="{FF2B5EF4-FFF2-40B4-BE49-F238E27FC236}">
+                  <a16:creationId xmlns:a16="http://schemas.microsoft.com/office/drawing/2014/main" id="{15960F62-1B11-EEF9-AA87-8467476275DF}"/>
+                </a:ext>
+              </a:extLst>
+            </p:cNvPr>
+            <p:cNvSpPr/>
+            <p:nvPr/>
+          </p:nvSpPr>
+          <p:spPr>
+            <a:xfrm>
+              <a:off x="2775059" y="249238"/>
+              <a:ext cx="1951038" cy="1073150"/>
+            </a:xfrm>
+            <a:prstGeom prst="ellipse">
+              <a:avLst/>
+            </a:prstGeom>
+            <a:grpFill/>
+          </p:spPr>
+          <p:style>
+            <a:lnRef idx="2">
+              <a:schemeClr val="accent1">
+                <a:shade val="50000"/>
+              </a:schemeClr>
+            </a:lnRef>
+            <a:fillRef idx="1">
+              <a:schemeClr val="accent1"/>
+            </a:fillRef>
+            <a:effectRef idx="0">
+              <a:schemeClr val="accent1"/>
+            </a:effectRef>
+            <a:fontRef idx="minor">
+              <a:schemeClr val="lt1"/>
+            </a:fontRef>
+          </p:style>
+          <p:txBody>
+            <a:bodyPr rtlCol="0" anchor="ctr"/>
+            <a:lstStyle/>
+            <a:p>
+              <a:pPr algn="ctr"/>
+              <a:r>
+                <a:rPr lang="en-US" sz="2400">
+                  <a:solidFill>
+                    <a:schemeClr val="tx1"/>
+                  </a:solidFill>
+                </a:rPr>
+                <a:t>W name</a:t>
+              </a:r>
+            </a:p>
+          </p:txBody>
+        </p:sp>
+        <p:sp>
+          <p:nvSpPr>
+            <p:cNvPr id="15" name="Oval 14">
+              <a:extLst>
+                <a:ext uri="{FF2B5EF4-FFF2-40B4-BE49-F238E27FC236}">
+                  <a16:creationId xmlns:a16="http://schemas.microsoft.com/office/drawing/2014/main" id="{0A358B77-EAB7-74BF-A4E9-86BA60149E96}"/>
+                </a:ext>
+              </a:extLst>
+            </p:cNvPr>
+            <p:cNvSpPr/>
+            <p:nvPr/>
+          </p:nvSpPr>
+          <p:spPr>
+            <a:xfrm>
+              <a:off x="5069649" y="249238"/>
+              <a:ext cx="1951038" cy="1073150"/>
+            </a:xfrm>
+            <a:prstGeom prst="ellipse">
+              <a:avLst/>
+            </a:prstGeom>
+            <a:grpFill/>
+          </p:spPr>
+          <p:style>
+            <a:lnRef idx="2">
+              <a:schemeClr val="accent1">
+                <a:shade val="50000"/>
+              </a:schemeClr>
+            </a:lnRef>
+            <a:fillRef idx="1">
+              <a:schemeClr val="accent1"/>
+            </a:fillRef>
+            <a:effectRef idx="0">
+              <a:schemeClr val="accent1"/>
+            </a:effectRef>
+            <a:fontRef idx="minor">
+              <a:schemeClr val="lt1"/>
+            </a:fontRef>
+          </p:style>
+          <p:txBody>
+            <a:bodyPr rtlCol="0" anchor="ctr"/>
+            <a:lstStyle/>
+            <a:p>
+              <a:pPr algn="ctr"/>
+              <a:r>
+                <a:rPr lang="en-US" sz="2400" b="1" u="sng">
+                  <a:solidFill>
+                    <a:schemeClr val="tx1"/>
+                  </a:solidFill>
+                </a:rPr>
+                <a:t>W ID</a:t>
+              </a:r>
+            </a:p>
+          </p:txBody>
+        </p:sp>
+        <p:sp>
+          <p:nvSpPr>
+            <p:cNvPr id="44" name="Oval 43">
+              <a:extLst>
+                <a:ext uri="{FF2B5EF4-FFF2-40B4-BE49-F238E27FC236}">
+                  <a16:creationId xmlns:a16="http://schemas.microsoft.com/office/drawing/2014/main" id="{DF729EBB-6425-4967-1D9A-8AFBBF0ED5DA}"/>
+                </a:ext>
+              </a:extLst>
+            </p:cNvPr>
+            <p:cNvSpPr/>
+            <p:nvPr/>
+          </p:nvSpPr>
+          <p:spPr>
+            <a:xfrm>
+              <a:off x="625779" y="2875702"/>
+              <a:ext cx="1951038" cy="1073150"/>
+            </a:xfrm>
+            <a:prstGeom prst="ellipse">
+              <a:avLst/>
+            </a:prstGeom>
+            <a:grpFill/>
+          </p:spPr>
+          <p:style>
+            <a:lnRef idx="2">
+              <a:schemeClr val="accent1">
+                <a:shade val="50000"/>
+              </a:schemeClr>
+            </a:lnRef>
+            <a:fillRef idx="1">
+              <a:schemeClr val="accent1"/>
+            </a:fillRef>
+            <a:effectRef idx="0">
+              <a:schemeClr val="accent1"/>
+            </a:effectRef>
+            <a:fontRef idx="minor">
+              <a:schemeClr val="lt1"/>
+            </a:fontRef>
+          </p:style>
+          <p:txBody>
+            <a:bodyPr rtlCol="0" anchor="ctr"/>
+            <a:lstStyle/>
+            <a:p>
+              <a:pPr algn="ctr"/>
+              <a:r>
+                <a:rPr lang="en-US" sz="2400">
+                  <a:solidFill>
+                    <a:schemeClr val="tx1"/>
+                  </a:solidFill>
+                </a:rPr>
+                <a:t>Amenities</a:t>
+              </a:r>
+            </a:p>
+          </p:txBody>
+        </p:sp>
+      </p:grpSp>
+      <p:grpSp>
+        <p:nvGrpSpPr>
+          <p:cNvPr id="64" name="Group 63">
+            <a:extLst>
+              <a:ext uri="{FF2B5EF4-FFF2-40B4-BE49-F238E27FC236}">
+                <a16:creationId xmlns:a16="http://schemas.microsoft.com/office/drawing/2014/main" id="{09F6DE3D-B814-766D-83A1-D58D8C3852F1}"/>
+              </a:ext>
+            </a:extLst>
+          </p:cNvPr>
+          <p:cNvGrpSpPr/>
+          <p:nvPr/>
+        </p:nvGrpSpPr>
+        <p:grpSpPr>
+          <a:xfrm>
+            <a:off x="10679113" y="249238"/>
+            <a:ext cx="7018338" cy="2901080"/>
+            <a:chOff x="10679113" y="249238"/>
+            <a:chExt cx="7018338" cy="2901080"/>
+          </a:xfrm>
+          <a:solidFill>
+            <a:schemeClr val="tx2">
+              <a:lumMod val="40000"/>
+              <a:lumOff val="60000"/>
+            </a:schemeClr>
+          </a:solidFill>
+        </p:grpSpPr>
+        <p:cxnSp>
+          <p:nvCxnSpPr>
+            <p:cNvPr id="48" name="Straight Arrow Connector 47">
+              <a:extLst>
+                <a:ext uri="{FF2B5EF4-FFF2-40B4-BE49-F238E27FC236}">
+                  <a16:creationId xmlns:a16="http://schemas.microsoft.com/office/drawing/2014/main" id="{682514DA-6F94-6445-8EF9-48059AF4E7FC}"/>
+                </a:ext>
+              </a:extLst>
+            </p:cNvPr>
+            <p:cNvCxnSpPr>
+              <a:cxnSpLocks/>
+            </p:cNvCxnSpPr>
+            <p:nvPr/>
+          </p:nvCxnSpPr>
+          <p:spPr>
+            <a:xfrm flipH="1" flipV="1">
+              <a:off x="11748241" y="1265521"/>
+              <a:ext cx="1074105" cy="839241"/>
+            </a:xfrm>
+            <a:prstGeom prst="straightConnector1">
+              <a:avLst/>
+            </a:prstGeom>
+            <a:grpFill/>
+            <a:ln w="28575">
+              <a:solidFill>
+                <a:srgbClr val="292929"/>
+              </a:solidFill>
+            </a:ln>
+          </p:spPr>
+          <p:style>
+            <a:lnRef idx="1">
+              <a:schemeClr val="accent1"/>
+            </a:lnRef>
+            <a:fillRef idx="0">
+              <a:schemeClr val="accent1"/>
+            </a:fillRef>
+            <a:effectRef idx="0">
+              <a:schemeClr val="accent1"/>
+            </a:effectRef>
+            <a:fontRef idx="minor">
+              <a:schemeClr val="tx1"/>
+            </a:fontRef>
+          </p:style>
+        </p:cxnSp>
+        <p:cxnSp>
+          <p:nvCxnSpPr>
+            <p:cNvPr id="49" name="Straight Arrow Connector 48">
+              <a:extLst>
+                <a:ext uri="{FF2B5EF4-FFF2-40B4-BE49-F238E27FC236}">
+                  <a16:creationId xmlns:a16="http://schemas.microsoft.com/office/drawing/2014/main" id="{7EEF9F39-856F-CABE-ECE4-D7FCA723927D}"/>
+                </a:ext>
+              </a:extLst>
+            </p:cNvPr>
+            <p:cNvCxnSpPr>
+              <a:cxnSpLocks/>
+            </p:cNvCxnSpPr>
+            <p:nvPr/>
+          </p:nvCxnSpPr>
+          <p:spPr>
+            <a:xfrm flipV="1">
+              <a:off x="13182471" y="1296836"/>
+              <a:ext cx="836112" cy="745297"/>
+            </a:xfrm>
+            <a:prstGeom prst="straightConnector1">
+              <a:avLst/>
+            </a:prstGeom>
+            <a:grpFill/>
+            <a:ln w="28575">
+              <a:solidFill>
+                <a:srgbClr val="292929"/>
+              </a:solidFill>
+            </a:ln>
+          </p:spPr>
+          <p:style>
+            <a:lnRef idx="1">
+              <a:schemeClr val="accent1"/>
+            </a:lnRef>
+            <a:fillRef idx="0">
+              <a:schemeClr val="accent1"/>
+            </a:fillRef>
+            <a:effectRef idx="0">
+              <a:schemeClr val="accent1"/>
+            </a:effectRef>
+            <a:fontRef idx="minor">
+              <a:schemeClr val="tx1"/>
+            </a:fontRef>
+          </p:style>
+        </p:cxnSp>
+        <p:cxnSp>
+          <p:nvCxnSpPr>
+            <p:cNvPr id="51" name="Straight Arrow Connector 50">
+              <a:extLst>
+                <a:ext uri="{FF2B5EF4-FFF2-40B4-BE49-F238E27FC236}">
+                  <a16:creationId xmlns:a16="http://schemas.microsoft.com/office/drawing/2014/main" id="{5764D188-B1CA-0681-F7F1-2328D0CA099B}"/>
+                </a:ext>
+              </a:extLst>
+            </p:cNvPr>
+            <p:cNvCxnSpPr>
+              <a:cxnSpLocks/>
+            </p:cNvCxnSpPr>
+            <p:nvPr/>
+          </p:nvCxnSpPr>
+          <p:spPr>
+            <a:xfrm flipV="1">
+              <a:off x="14247182" y="2643382"/>
+              <a:ext cx="1603330" cy="40709"/>
+            </a:xfrm>
+            <a:prstGeom prst="straightConnector1">
+              <a:avLst/>
+            </a:prstGeom>
+            <a:grpFill/>
+            <a:ln w="28575">
+              <a:solidFill>
+                <a:srgbClr val="292929"/>
+              </a:solidFill>
+            </a:ln>
+          </p:spPr>
+          <p:style>
+            <a:lnRef idx="1">
+              <a:schemeClr val="accent1"/>
+            </a:lnRef>
+            <a:fillRef idx="0">
+              <a:schemeClr val="accent1"/>
+            </a:fillRef>
+            <a:effectRef idx="0">
+              <a:schemeClr val="accent1"/>
+            </a:effectRef>
+            <a:fontRef idx="minor">
+              <a:schemeClr val="tx1"/>
+            </a:fontRef>
+          </p:style>
+        </p:cxnSp>
+        <p:sp>
+          <p:nvSpPr>
+            <p:cNvPr id="16" name="Oval 15">
+              <a:extLst>
+                <a:ext uri="{FF2B5EF4-FFF2-40B4-BE49-F238E27FC236}">
+                  <a16:creationId xmlns:a16="http://schemas.microsoft.com/office/drawing/2014/main" id="{B984367B-EAF6-25DB-B25E-D5406C7AE092}"/>
+                </a:ext>
+              </a:extLst>
+            </p:cNvPr>
+            <p:cNvSpPr/>
+            <p:nvPr/>
+          </p:nvSpPr>
+          <p:spPr>
+            <a:xfrm>
+              <a:off x="15746413" y="2077168"/>
+              <a:ext cx="1951038" cy="1073150"/>
+            </a:xfrm>
+            <a:prstGeom prst="ellipse">
+              <a:avLst/>
+            </a:prstGeom>
+            <a:grpFill/>
+          </p:spPr>
+          <p:style>
+            <a:lnRef idx="2">
+              <a:schemeClr val="accent1">
+                <a:shade val="50000"/>
+              </a:schemeClr>
+            </a:lnRef>
+            <a:fillRef idx="1">
+              <a:schemeClr val="accent1"/>
+            </a:fillRef>
+            <a:effectRef idx="0">
+              <a:schemeClr val="accent1"/>
+            </a:effectRef>
+            <a:fontRef idx="minor">
+              <a:schemeClr val="lt1"/>
+            </a:fontRef>
+          </p:style>
+          <p:txBody>
+            <a:bodyPr rtlCol="0" anchor="ctr"/>
+            <a:lstStyle/>
+            <a:p>
+              <a:pPr algn="ctr"/>
+              <a:r>
+                <a:rPr lang="en-US" sz="2400">
+                  <a:solidFill>
+                    <a:schemeClr val="tx1"/>
+                  </a:solidFill>
+                </a:rPr>
+                <a:t>No. of A</a:t>
+              </a:r>
+            </a:p>
+          </p:txBody>
+        </p:sp>
+        <p:sp>
+          <p:nvSpPr>
+            <p:cNvPr id="17" name="Oval 16">
+              <a:extLst>
+                <a:ext uri="{FF2B5EF4-FFF2-40B4-BE49-F238E27FC236}">
+                  <a16:creationId xmlns:a16="http://schemas.microsoft.com/office/drawing/2014/main" id="{D452DCBA-9981-1F7A-6E60-A87F3432BFE1}"/>
+                </a:ext>
+              </a:extLst>
+            </p:cNvPr>
+            <p:cNvSpPr/>
+            <p:nvPr/>
+          </p:nvSpPr>
+          <p:spPr>
+            <a:xfrm>
+              <a:off x="13239750" y="249238"/>
+              <a:ext cx="1951038" cy="1073150"/>
+            </a:xfrm>
+            <a:prstGeom prst="ellipse">
+              <a:avLst/>
+            </a:prstGeom>
+            <a:grpFill/>
+          </p:spPr>
+          <p:style>
+            <a:lnRef idx="2">
+              <a:schemeClr val="accent1">
+                <a:shade val="50000"/>
+              </a:schemeClr>
+            </a:lnRef>
+            <a:fillRef idx="1">
+              <a:schemeClr val="accent1"/>
+            </a:fillRef>
+            <a:effectRef idx="0">
+              <a:schemeClr val="accent1"/>
+            </a:effectRef>
+            <a:fontRef idx="minor">
+              <a:schemeClr val="lt1"/>
+            </a:fontRef>
+          </p:style>
+          <p:txBody>
+            <a:bodyPr rtlCol="0" anchor="ctr"/>
+            <a:lstStyle/>
+            <a:p>
+              <a:pPr algn="ctr"/>
+              <a:r>
+                <a:rPr lang="en-US" sz="2400" b="1" i="1">
+                  <a:solidFill>
+                    <a:schemeClr val="tx1"/>
+                  </a:solidFill>
+                </a:rPr>
+                <a:t>W ID</a:t>
+              </a:r>
+            </a:p>
+          </p:txBody>
+        </p:sp>
+        <p:sp>
+          <p:nvSpPr>
+            <p:cNvPr id="18" name="Oval 17">
+              <a:extLst>
+                <a:ext uri="{FF2B5EF4-FFF2-40B4-BE49-F238E27FC236}">
+                  <a16:creationId xmlns:a16="http://schemas.microsoft.com/office/drawing/2014/main" id="{8B45223F-98B5-4D8A-9243-C6C97EA75E69}"/>
+                </a:ext>
+              </a:extLst>
+            </p:cNvPr>
+            <p:cNvSpPr/>
+            <p:nvPr/>
+          </p:nvSpPr>
+          <p:spPr>
+            <a:xfrm>
+              <a:off x="10679113" y="249238"/>
+              <a:ext cx="1951038" cy="1073150"/>
+            </a:xfrm>
+            <a:prstGeom prst="ellipse">
+              <a:avLst/>
+            </a:prstGeom>
+            <a:grpFill/>
+          </p:spPr>
+          <p:style>
+            <a:lnRef idx="2">
+              <a:schemeClr val="accent1">
+                <a:shade val="50000"/>
+              </a:schemeClr>
+            </a:lnRef>
+            <a:fillRef idx="1">
+              <a:schemeClr val="accent1"/>
+            </a:fillRef>
+            <a:effectRef idx="0">
+              <a:schemeClr val="accent1"/>
+            </a:effectRef>
+            <a:fontRef idx="minor">
+              <a:schemeClr val="lt1"/>
+            </a:fontRef>
+          </p:style>
+          <p:txBody>
+            <a:bodyPr rtlCol="0" anchor="ctr"/>
+            <a:lstStyle/>
+            <a:p>
+              <a:pPr algn="ctr"/>
+              <a:r>
+                <a:rPr lang="en-US" sz="2400" b="1" u="sng">
+                  <a:solidFill>
+                    <a:schemeClr val="tx1"/>
+                  </a:solidFill>
+                </a:rPr>
+                <a:t>F No.</a:t>
+              </a:r>
+            </a:p>
+          </p:txBody>
+        </p:sp>
+      </p:grpSp>
+      <p:grpSp>
+        <p:nvGrpSpPr>
+          <p:cNvPr id="63" name="Group 62">
+            <a:extLst>
+              <a:ext uri="{FF2B5EF4-FFF2-40B4-BE49-F238E27FC236}">
+                <a16:creationId xmlns:a16="http://schemas.microsoft.com/office/drawing/2014/main" id="{A8C148C7-917A-E7BD-1600-B11EE0CFEE40}"/>
+              </a:ext>
+            </a:extLst>
+          </p:cNvPr>
+          <p:cNvGrpSpPr/>
+          <p:nvPr/>
+        </p:nvGrpSpPr>
+        <p:grpSpPr>
+          <a:xfrm>
+            <a:off x="10653713" y="6402388"/>
+            <a:ext cx="7043738" cy="3700462"/>
+            <a:chOff x="10653713" y="6402388"/>
+            <a:chExt cx="7043738" cy="3700462"/>
+          </a:xfrm>
+          <a:solidFill>
+            <a:schemeClr val="tx2">
+              <a:lumMod val="40000"/>
+              <a:lumOff val="60000"/>
+            </a:schemeClr>
+          </a:solidFill>
+        </p:grpSpPr>
+        <p:cxnSp>
+          <p:nvCxnSpPr>
+            <p:cNvPr id="52" name="Straight Arrow Connector 51">
+              <a:extLst>
+                <a:ext uri="{FF2B5EF4-FFF2-40B4-BE49-F238E27FC236}">
+                  <a16:creationId xmlns:a16="http://schemas.microsoft.com/office/drawing/2014/main" id="{3C54CC59-642D-5564-05D3-1689531D0AC3}"/>
+                </a:ext>
+              </a:extLst>
+            </p:cNvPr>
+            <p:cNvCxnSpPr>
+              <a:cxnSpLocks/>
+            </p:cNvCxnSpPr>
+            <p:nvPr/>
+          </p:nvCxnSpPr>
+          <p:spPr>
+            <a:xfrm flipH="1" flipV="1">
+              <a:off x="13204390" y="8389698"/>
+              <a:ext cx="854900" cy="682668"/>
+            </a:xfrm>
+            <a:prstGeom prst="straightConnector1">
+              <a:avLst/>
+            </a:prstGeom>
+            <a:grpFill/>
+            <a:ln w="28575">
+              <a:solidFill>
+                <a:srgbClr val="292929"/>
+              </a:solidFill>
+            </a:ln>
+          </p:spPr>
+          <p:style>
+            <a:lnRef idx="1">
+              <a:schemeClr val="accent1"/>
+            </a:lnRef>
+            <a:fillRef idx="0">
+              <a:schemeClr val="accent1"/>
+            </a:fillRef>
+            <a:effectRef idx="0">
+              <a:schemeClr val="accent1"/>
+            </a:effectRef>
+            <a:fontRef idx="minor">
+              <a:schemeClr val="tx1"/>
+            </a:fontRef>
+          </p:style>
+        </p:cxnSp>
+        <p:cxnSp>
+          <p:nvCxnSpPr>
+            <p:cNvPr id="53" name="Straight Arrow Connector 52">
+              <a:extLst>
+                <a:ext uri="{FF2B5EF4-FFF2-40B4-BE49-F238E27FC236}">
+                  <a16:creationId xmlns:a16="http://schemas.microsoft.com/office/drawing/2014/main" id="{AB304333-ABC1-AAE8-BFDA-F559543F2353}"/>
+                </a:ext>
+              </a:extLst>
+            </p:cNvPr>
+            <p:cNvCxnSpPr>
+              <a:cxnSpLocks/>
+            </p:cNvCxnSpPr>
+            <p:nvPr/>
+          </p:nvCxnSpPr>
+          <p:spPr>
+            <a:xfrm flipV="1">
+              <a:off x="11679347" y="8342726"/>
+              <a:ext cx="898742" cy="776612"/>
+            </a:xfrm>
+            <a:prstGeom prst="straightConnector1">
+              <a:avLst/>
+            </a:prstGeom>
+            <a:grpFill/>
+            <a:ln w="28575">
+              <a:solidFill>
+                <a:srgbClr val="292929"/>
+              </a:solidFill>
+            </a:ln>
+          </p:spPr>
+          <p:style>
+            <a:lnRef idx="1">
+              <a:schemeClr val="accent1"/>
+            </a:lnRef>
+            <a:fillRef idx="0">
+              <a:schemeClr val="accent1"/>
+            </a:fillRef>
+            <a:effectRef idx="0">
+              <a:schemeClr val="accent1"/>
+            </a:effectRef>
+            <a:fontRef idx="minor">
+              <a:schemeClr val="tx1"/>
+            </a:fontRef>
+          </p:style>
+        </p:cxnSp>
+        <p:cxnSp>
+          <p:nvCxnSpPr>
+            <p:cNvPr id="54" name="Straight Arrow Connector 53">
+              <a:extLst>
+                <a:ext uri="{FF2B5EF4-FFF2-40B4-BE49-F238E27FC236}">
+                  <a16:creationId xmlns:a16="http://schemas.microsoft.com/office/drawing/2014/main" id="{B2271AC4-4AA1-49FB-51B1-07D089E87FC5}"/>
+                </a:ext>
+              </a:extLst>
+            </p:cNvPr>
+            <p:cNvCxnSpPr>
+              <a:cxnSpLocks/>
+            </p:cNvCxnSpPr>
+            <p:nvPr/>
+          </p:nvCxnSpPr>
+          <p:spPr>
+            <a:xfrm>
+              <a:off x="14231525" y="7882394"/>
+              <a:ext cx="1603331" cy="554277"/>
+            </a:xfrm>
+            <a:prstGeom prst="straightConnector1">
+              <a:avLst/>
+            </a:prstGeom>
+            <a:grpFill/>
+            <a:ln w="28575">
+              <a:solidFill>
+                <a:srgbClr val="292929"/>
+              </a:solidFill>
+            </a:ln>
+          </p:spPr>
+          <p:style>
+            <a:lnRef idx="1">
+              <a:schemeClr val="accent1"/>
+            </a:lnRef>
+            <a:fillRef idx="0">
+              <a:schemeClr val="accent1"/>
+            </a:fillRef>
+            <a:effectRef idx="0">
+              <a:schemeClr val="accent1"/>
+            </a:effectRef>
+            <a:fontRef idx="minor">
+              <a:schemeClr val="tx1"/>
+            </a:fontRef>
+          </p:style>
+        </p:cxnSp>
+        <p:cxnSp>
+          <p:nvCxnSpPr>
+            <p:cNvPr id="55" name="Straight Arrow Connector 54">
+              <a:extLst>
+                <a:ext uri="{FF2B5EF4-FFF2-40B4-BE49-F238E27FC236}">
+                  <a16:creationId xmlns:a16="http://schemas.microsoft.com/office/drawing/2014/main" id="{D4459148-FD81-2F6A-B886-30633F301328}"/>
+                </a:ext>
+              </a:extLst>
+            </p:cNvPr>
+            <p:cNvCxnSpPr>
+              <a:cxnSpLocks/>
+            </p:cNvCxnSpPr>
+            <p:nvPr/>
+          </p:nvCxnSpPr>
+          <p:spPr>
+            <a:xfrm flipV="1">
+              <a:off x="14106265" y="6870918"/>
+              <a:ext cx="1728591" cy="729640"/>
+            </a:xfrm>
+            <a:prstGeom prst="straightConnector1">
+              <a:avLst/>
+            </a:prstGeom>
+            <a:grpFill/>
+            <a:ln w="28575">
+              <a:solidFill>
+                <a:srgbClr val="292929"/>
+              </a:solidFill>
+            </a:ln>
+          </p:spPr>
+          <p:style>
+            <a:lnRef idx="1">
+              <a:schemeClr val="accent1"/>
+            </a:lnRef>
+            <a:fillRef idx="0">
+              <a:schemeClr val="accent1"/>
+            </a:fillRef>
+            <a:effectRef idx="0">
+              <a:schemeClr val="accent1"/>
+            </a:effectRef>
+            <a:fontRef idx="minor">
+              <a:schemeClr val="tx1"/>
+            </a:fontRef>
+          </p:style>
+        </p:cxnSp>
+        <p:sp>
+          <p:nvSpPr>
+            <p:cNvPr id="19" name="Oval 18">
+              <a:extLst>
+                <a:ext uri="{FF2B5EF4-FFF2-40B4-BE49-F238E27FC236}">
+                  <a16:creationId xmlns:a16="http://schemas.microsoft.com/office/drawing/2014/main" id="{CFAB02E4-086C-85BD-6B93-56439D2D2CF9}"/>
+                </a:ext>
+              </a:extLst>
+            </p:cNvPr>
+            <p:cNvSpPr/>
+            <p:nvPr/>
+          </p:nvSpPr>
+          <p:spPr>
+            <a:xfrm>
+              <a:off x="10653713" y="9029700"/>
+              <a:ext cx="1951038" cy="1073150"/>
+            </a:xfrm>
+            <a:prstGeom prst="ellipse">
+              <a:avLst/>
+            </a:prstGeom>
+            <a:grpFill/>
+          </p:spPr>
+          <p:style>
+            <a:lnRef idx="2">
+              <a:schemeClr val="accent1">
+                <a:shade val="50000"/>
+              </a:schemeClr>
+            </a:lnRef>
+            <a:fillRef idx="1">
+              <a:schemeClr val="accent1"/>
+            </a:fillRef>
+            <a:effectRef idx="0">
+              <a:schemeClr val="accent1"/>
+            </a:effectRef>
+            <a:fontRef idx="minor">
+              <a:schemeClr val="lt1"/>
+            </a:fontRef>
+          </p:style>
+          <p:txBody>
+            <a:bodyPr rtlCol="0" anchor="ctr"/>
+            <a:lstStyle/>
+            <a:p>
+              <a:pPr algn="ctr"/>
+              <a:r>
+                <a:rPr lang="en-GB" sz="2400">
+                  <a:solidFill>
+                    <a:schemeClr val="tx1"/>
+                  </a:solidFill>
+                </a:rPr>
+                <a:t>Area</a:t>
+              </a:r>
+              <a:endParaRPr lang="en-US" sz="2400">
+                <a:solidFill>
+                  <a:schemeClr val="tx1"/>
+                </a:solidFill>
+              </a:endParaRPr>
+            </a:p>
+          </p:txBody>
+        </p:sp>
+        <p:sp>
+          <p:nvSpPr>
+            <p:cNvPr id="20" name="Oval 19">
+              <a:extLst>
+                <a:ext uri="{FF2B5EF4-FFF2-40B4-BE49-F238E27FC236}">
+                  <a16:creationId xmlns:a16="http://schemas.microsoft.com/office/drawing/2014/main" id="{6D4EA31D-EF02-BE3F-9625-E488B395F805}"/>
+                </a:ext>
+              </a:extLst>
+            </p:cNvPr>
+            <p:cNvSpPr/>
+            <p:nvPr/>
+          </p:nvSpPr>
+          <p:spPr>
+            <a:xfrm>
+              <a:off x="13266738" y="9029700"/>
+              <a:ext cx="1951038" cy="1073150"/>
+            </a:xfrm>
+            <a:prstGeom prst="ellipse">
+              <a:avLst/>
+            </a:prstGeom>
+            <a:grpFill/>
+          </p:spPr>
+          <p:style>
+            <a:lnRef idx="2">
+              <a:schemeClr val="accent1">
+                <a:shade val="50000"/>
+              </a:schemeClr>
+            </a:lnRef>
+            <a:fillRef idx="1">
+              <a:schemeClr val="accent1"/>
+            </a:fillRef>
+            <a:effectRef idx="0">
+              <a:schemeClr val="accent1"/>
+            </a:effectRef>
+            <a:fontRef idx="minor">
+              <a:schemeClr val="lt1"/>
+            </a:fontRef>
+          </p:style>
+          <p:txBody>
+            <a:bodyPr rtlCol="0" anchor="ctr"/>
+            <a:lstStyle/>
+            <a:p>
+              <a:pPr algn="ctr"/>
+              <a:r>
+                <a:rPr lang="en-GB" sz="2400">
+                  <a:solidFill>
+                    <a:schemeClr val="tx1"/>
+                  </a:solidFill>
+                </a:rPr>
+                <a:t>Type</a:t>
+              </a:r>
+              <a:endParaRPr lang="en-US" sz="2400">
+                <a:solidFill>
+                  <a:schemeClr val="tx1"/>
+                </a:solidFill>
+              </a:endParaRPr>
+            </a:p>
+          </p:txBody>
+        </p:sp>
+        <p:sp>
+          <p:nvSpPr>
+            <p:cNvPr id="21" name="Oval 20">
+              <a:extLst>
+                <a:ext uri="{FF2B5EF4-FFF2-40B4-BE49-F238E27FC236}">
+                  <a16:creationId xmlns:a16="http://schemas.microsoft.com/office/drawing/2014/main" id="{39922D98-9AAD-E067-E4FD-6A163DF9DC49}"/>
+                </a:ext>
+              </a:extLst>
+            </p:cNvPr>
+            <p:cNvSpPr/>
+            <p:nvPr/>
+          </p:nvSpPr>
+          <p:spPr>
+            <a:xfrm>
+              <a:off x="15746413" y="7885113"/>
+              <a:ext cx="1951038" cy="1073150"/>
+            </a:xfrm>
+            <a:prstGeom prst="ellipse">
+              <a:avLst/>
+            </a:prstGeom>
+            <a:grpFill/>
+          </p:spPr>
+          <p:style>
+            <a:lnRef idx="2">
+              <a:schemeClr val="accent1">
+                <a:shade val="50000"/>
+              </a:schemeClr>
+            </a:lnRef>
+            <a:fillRef idx="1">
+              <a:schemeClr val="accent1"/>
+            </a:fillRef>
+            <a:effectRef idx="0">
+              <a:schemeClr val="accent1"/>
+            </a:effectRef>
+            <a:fontRef idx="minor">
+              <a:schemeClr val="lt1"/>
+            </a:fontRef>
+          </p:style>
+          <p:txBody>
+            <a:bodyPr rtlCol="0" anchor="ctr"/>
+            <a:lstStyle/>
+            <a:p>
+              <a:pPr algn="ctr"/>
+              <a:r>
+                <a:rPr lang="en-US" sz="2400" b="1" i="1">
+                  <a:solidFill>
+                    <a:schemeClr val="tx1"/>
+                  </a:solidFill>
+                </a:rPr>
+                <a:t>F No.</a:t>
+              </a:r>
+            </a:p>
+          </p:txBody>
+        </p:sp>
+        <p:sp>
+          <p:nvSpPr>
+            <p:cNvPr id="22" name="Oval 21">
+              <a:extLst>
+                <a:ext uri="{FF2B5EF4-FFF2-40B4-BE49-F238E27FC236}">
+                  <a16:creationId xmlns:a16="http://schemas.microsoft.com/office/drawing/2014/main" id="{4A19542E-FBC3-5A2C-332A-E5DD042AE3A2}"/>
+                </a:ext>
+              </a:extLst>
+            </p:cNvPr>
+            <p:cNvSpPr/>
+            <p:nvPr/>
+          </p:nvSpPr>
+          <p:spPr>
+            <a:xfrm>
+              <a:off x="15746413" y="6402388"/>
+              <a:ext cx="1951038" cy="1073150"/>
+            </a:xfrm>
+            <a:prstGeom prst="ellipse">
+              <a:avLst/>
+            </a:prstGeom>
+            <a:grpFill/>
+          </p:spPr>
+          <p:style>
+            <a:lnRef idx="2">
+              <a:schemeClr val="accent1">
+                <a:shade val="50000"/>
+              </a:schemeClr>
+            </a:lnRef>
+            <a:fillRef idx="1">
+              <a:schemeClr val="accent1"/>
+            </a:fillRef>
+            <a:effectRef idx="0">
+              <a:schemeClr val="accent1"/>
+            </a:effectRef>
+            <a:fontRef idx="minor">
+              <a:schemeClr val="lt1"/>
+            </a:fontRef>
+          </p:style>
+          <p:txBody>
+            <a:bodyPr rtlCol="0" anchor="ctr"/>
+            <a:lstStyle/>
+            <a:p>
+              <a:pPr algn="ctr"/>
+              <a:r>
+                <a:rPr lang="en-US" sz="2400" b="1" u="sng">
+                  <a:solidFill>
+                    <a:schemeClr val="tx1"/>
+                  </a:solidFill>
+                </a:rPr>
+                <a:t>Appt. ID</a:t>
+              </a:r>
+            </a:p>
+          </p:txBody>
+        </p:sp>
+      </p:grpSp>
+      <p:sp>
+        <p:nvSpPr>
+          <p:cNvPr id="7" name="Diamond 6">
+            <a:extLst>
+              <a:ext uri="{FF2B5EF4-FFF2-40B4-BE49-F238E27FC236}">
+                <a16:creationId xmlns:a16="http://schemas.microsoft.com/office/drawing/2014/main" id="{DC313A71-B47D-C6C3-5B2B-6E78DAEDBB1F}"/>
+              </a:ext>
+            </a:extLst>
+          </p:cNvPr>
+          <p:cNvSpPr/>
+          <p:nvPr/>
+        </p:nvSpPr>
+        <p:spPr>
+          <a:xfrm>
+            <a:off x="8242554" y="2194012"/>
+            <a:ext cx="1951038" cy="1073150"/>
+          </a:xfrm>
+          <a:prstGeom prst="diamond">
+            <a:avLst/>
+          </a:prstGeom>
+          <a:solidFill>
+            <a:schemeClr val="accent6">
+              <a:lumMod val="60000"/>
+              <a:lumOff val="40000"/>
+            </a:schemeClr>
+          </a:solidFill>
+        </p:spPr>
+        <p:style>
+          <a:lnRef idx="2">
+            <a:schemeClr val="accent1">
+              <a:shade val="50000"/>
+            </a:schemeClr>
+          </a:lnRef>
+          <a:fillRef idx="1">
+            <a:schemeClr val="accent1"/>
+          </a:fillRef>
+          <a:effectRef idx="0">
+            <a:schemeClr val="accent1"/>
+          </a:effectRef>
+          <a:fontRef idx="minor">
+            <a:schemeClr val="lt1"/>
+          </a:fontRef>
+        </p:style>
+        <p:txBody>
+          <a:bodyPr rtlCol="0" anchor="ctr"/>
+          <a:lstStyle/>
+          <a:p>
+            <a:pPr algn="ctr"/>
+            <a:r>
+              <a:rPr lang="en-US" sz="2400" dirty="0">
+                <a:solidFill>
+                  <a:schemeClr val="tx1"/>
+                </a:solidFill>
+                <a:cs typeface="Calibri"/>
+              </a:rPr>
+              <a:t>Has</a:t>
+            </a:r>
+            <a:endParaRPr lang="en-US" sz="2400" dirty="0">
+              <a:solidFill>
+                <a:schemeClr val="tx1"/>
+              </a:solidFill>
+            </a:endParaRPr>
+          </a:p>
+        </p:txBody>
+      </p:sp>
+      <p:sp>
+        <p:nvSpPr>
+          <p:cNvPr id="8" name="Diamond 7">
+            <a:extLst>
+              <a:ext uri="{FF2B5EF4-FFF2-40B4-BE49-F238E27FC236}">
+                <a16:creationId xmlns:a16="http://schemas.microsoft.com/office/drawing/2014/main" id="{B0C6E95A-5CC3-A79C-720B-0D7102B4D26E}"/>
+              </a:ext>
+            </a:extLst>
+          </p:cNvPr>
+          <p:cNvSpPr/>
+          <p:nvPr/>
+        </p:nvSpPr>
+        <p:spPr>
+          <a:xfrm>
+            <a:off x="8222847" y="7165569"/>
+            <a:ext cx="1951038" cy="1073150"/>
+          </a:xfrm>
+          <a:prstGeom prst="diamond">
+            <a:avLst/>
+          </a:prstGeom>
+          <a:solidFill>
+            <a:schemeClr val="accent6">
+              <a:lumMod val="60000"/>
+              <a:lumOff val="40000"/>
+            </a:schemeClr>
+          </a:solidFill>
+        </p:spPr>
+        <p:style>
+          <a:lnRef idx="2">
+            <a:schemeClr val="accent1">
+              <a:shade val="50000"/>
+            </a:schemeClr>
+          </a:lnRef>
+          <a:fillRef idx="1">
+            <a:schemeClr val="accent1"/>
+          </a:fillRef>
+          <a:effectRef idx="0">
+            <a:schemeClr val="accent1"/>
+          </a:effectRef>
+          <a:fontRef idx="minor">
+            <a:schemeClr val="lt1"/>
+          </a:fontRef>
+        </p:style>
+        <p:txBody>
+          <a:bodyPr lIns="91440" tIns="45720" rIns="91440" bIns="45720" rtlCol="0" anchor="ctr"/>
+          <a:lstStyle/>
+          <a:p>
+            <a:pPr algn="ctr"/>
+            <a:r>
+              <a:rPr lang="en-US" sz="2400" dirty="0">
+                <a:solidFill>
+                  <a:schemeClr val="tx1"/>
+                </a:solidFill>
+                <a:cs typeface="Calibri"/>
+              </a:rPr>
+              <a:t>Has</a:t>
+            </a:r>
+            <a:endParaRPr lang="en-US" sz="2400" dirty="0">
+              <a:solidFill>
+                <a:schemeClr val="tx1"/>
+              </a:solidFill>
+            </a:endParaRPr>
+          </a:p>
+        </p:txBody>
+      </p:sp>
+      <p:sp>
+        <p:nvSpPr>
+          <p:cNvPr id="9" name="Diamond 8">
+            <a:extLst>
+              <a:ext uri="{FF2B5EF4-FFF2-40B4-BE49-F238E27FC236}">
+                <a16:creationId xmlns:a16="http://schemas.microsoft.com/office/drawing/2014/main" id="{5964E94A-C107-8350-00A1-782A88FFBA9D}"/>
+              </a:ext>
+            </a:extLst>
+          </p:cNvPr>
+          <p:cNvSpPr/>
+          <p:nvPr/>
+        </p:nvSpPr>
+        <p:spPr>
+          <a:xfrm>
+            <a:off x="12009034" y="4955769"/>
+            <a:ext cx="1951038" cy="1073150"/>
+          </a:xfrm>
+          <a:prstGeom prst="diamond">
+            <a:avLst/>
+          </a:prstGeom>
+          <a:solidFill>
+            <a:schemeClr val="accent6">
+              <a:lumMod val="60000"/>
+              <a:lumOff val="40000"/>
+            </a:schemeClr>
+          </a:solidFill>
+        </p:spPr>
+        <p:style>
+          <a:lnRef idx="2">
+            <a:schemeClr val="accent1">
+              <a:shade val="50000"/>
+            </a:schemeClr>
+          </a:lnRef>
+          <a:fillRef idx="1">
+            <a:schemeClr val="accent1"/>
+          </a:fillRef>
+          <a:effectRef idx="0">
+            <a:schemeClr val="accent1"/>
+          </a:effectRef>
+          <a:fontRef idx="minor">
+            <a:schemeClr val="lt1"/>
+          </a:fontRef>
+        </p:style>
+        <p:txBody>
+          <a:bodyPr lIns="91440" tIns="45720" rIns="91440" bIns="45720" rtlCol="0" anchor="ctr"/>
+          <a:lstStyle/>
+          <a:p>
+            <a:pPr algn="ctr"/>
+            <a:r>
+              <a:rPr lang="en-US" sz="2400" dirty="0">
+                <a:solidFill>
+                  <a:schemeClr val="tx1"/>
+                </a:solidFill>
+                <a:cs typeface="Calibri"/>
+              </a:rPr>
+              <a:t>Has</a:t>
+            </a:r>
+            <a:endParaRPr lang="en-US" sz="2400" dirty="0">
+              <a:solidFill>
+                <a:schemeClr val="tx1"/>
+              </a:solidFill>
+            </a:endParaRPr>
+          </a:p>
+        </p:txBody>
+      </p:sp>
+      <p:cxnSp>
+        <p:nvCxnSpPr>
+          <p:cNvPr id="28" name="Straight Arrow Connector 27">
+            <a:extLst>
+              <a:ext uri="{FF2B5EF4-FFF2-40B4-BE49-F238E27FC236}">
+                <a16:creationId xmlns:a16="http://schemas.microsoft.com/office/drawing/2014/main" id="{7A4BE994-45F2-3600-2A05-37EFEFEB75B5}"/>
+              </a:ext>
+            </a:extLst>
+          </p:cNvPr>
+          <p:cNvCxnSpPr/>
+          <p:nvPr/>
+        </p:nvCxnSpPr>
+        <p:spPr>
+          <a:xfrm flipH="1" flipV="1">
+            <a:off x="6084484" y="2725332"/>
+            <a:ext cx="2157413" cy="4763"/>
+          </a:xfrm>
+          <a:prstGeom prst="straightConnector1">
+            <a:avLst/>
+          </a:prstGeom>
+          <a:solidFill>
+            <a:schemeClr val="accent6">
+              <a:lumMod val="60000"/>
+              <a:lumOff val="40000"/>
+            </a:schemeClr>
+          </a:solidFill>
+          <a:ln w="57150">
+            <a:solidFill>
+              <a:schemeClr val="tx1"/>
+            </a:solidFill>
+            <a:tailEnd type="triangle"/>
+          </a:ln>
+        </p:spPr>
+        <p:style>
+          <a:lnRef idx="1">
+            <a:schemeClr val="accent1"/>
+          </a:lnRef>
+          <a:fillRef idx="0">
+            <a:schemeClr val="accent1"/>
+          </a:fillRef>
+          <a:effectRef idx="0">
+            <a:schemeClr val="accent1"/>
+          </a:effectRef>
+          <a:fontRef idx="minor">
+            <a:schemeClr val="tx1"/>
+          </a:fontRef>
+        </p:style>
+      </p:cxnSp>
+      <p:cxnSp>
+        <p:nvCxnSpPr>
+          <p:cNvPr id="29" name="Straight Arrow Connector 28">
+            <a:extLst>
+              <a:ext uri="{FF2B5EF4-FFF2-40B4-BE49-F238E27FC236}">
+                <a16:creationId xmlns:a16="http://schemas.microsoft.com/office/drawing/2014/main" id="{56C478C0-8B1F-6853-50A4-9011C6B4995F}"/>
+              </a:ext>
+            </a:extLst>
+          </p:cNvPr>
+          <p:cNvCxnSpPr>
+            <a:cxnSpLocks/>
+          </p:cNvCxnSpPr>
+          <p:nvPr/>
+        </p:nvCxnSpPr>
+        <p:spPr>
+          <a:xfrm flipH="1" flipV="1">
+            <a:off x="6084484" y="7700557"/>
+            <a:ext cx="2138363" cy="1588"/>
+          </a:xfrm>
+          <a:prstGeom prst="straightConnector1">
+            <a:avLst/>
+          </a:prstGeom>
+          <a:solidFill>
+            <a:schemeClr val="accent6">
+              <a:lumMod val="60000"/>
+              <a:lumOff val="40000"/>
+            </a:schemeClr>
+          </a:solidFill>
+          <a:ln w="57150">
+            <a:solidFill>
+              <a:schemeClr val="tx1"/>
+            </a:solidFill>
+            <a:tailEnd type="triangle"/>
+          </a:ln>
+        </p:spPr>
+        <p:style>
+          <a:lnRef idx="1">
+            <a:schemeClr val="accent1"/>
+          </a:lnRef>
+          <a:fillRef idx="0">
+            <a:schemeClr val="accent1"/>
+          </a:fillRef>
+          <a:effectRef idx="0">
+            <a:schemeClr val="accent1"/>
+          </a:effectRef>
+          <a:fontRef idx="minor">
+            <a:schemeClr val="tx1"/>
+          </a:fontRef>
+        </p:style>
+      </p:cxnSp>
+      <p:cxnSp>
+        <p:nvCxnSpPr>
+          <p:cNvPr id="30" name="Straight Arrow Connector 29">
+            <a:extLst>
+              <a:ext uri="{FF2B5EF4-FFF2-40B4-BE49-F238E27FC236}">
+                <a16:creationId xmlns:a16="http://schemas.microsoft.com/office/drawing/2014/main" id="{7EE68FF2-6D29-AD64-B963-7317FBFB4303}"/>
+              </a:ext>
+            </a:extLst>
+          </p:cNvPr>
+          <p:cNvCxnSpPr>
+            <a:cxnSpLocks/>
+          </p:cNvCxnSpPr>
+          <p:nvPr/>
+        </p:nvCxnSpPr>
+        <p:spPr>
+          <a:xfrm flipV="1">
+            <a:off x="12983759" y="3415894"/>
+            <a:ext cx="0" cy="1539875"/>
+          </a:xfrm>
+          <a:prstGeom prst="straightConnector1">
+            <a:avLst/>
+          </a:prstGeom>
+          <a:solidFill>
+            <a:schemeClr val="accent6">
+              <a:lumMod val="60000"/>
+              <a:lumOff val="40000"/>
+            </a:schemeClr>
+          </a:solidFill>
+          <a:ln w="57150">
+            <a:solidFill>
+              <a:schemeClr val="tx1"/>
+            </a:solidFill>
+            <a:tailEnd type="triangle"/>
+          </a:ln>
+        </p:spPr>
+        <p:style>
+          <a:lnRef idx="1">
+            <a:schemeClr val="accent1"/>
+          </a:lnRef>
+          <a:fillRef idx="0">
+            <a:schemeClr val="accent1"/>
+          </a:fillRef>
+          <a:effectRef idx="0">
+            <a:schemeClr val="accent1"/>
+          </a:effectRef>
+          <a:fontRef idx="minor">
+            <a:schemeClr val="tx1"/>
+          </a:fontRef>
+        </p:style>
+      </p:cxnSp>
+      <p:cxnSp>
+        <p:nvCxnSpPr>
+          <p:cNvPr id="31" name="Straight Arrow Connector 30">
+            <a:extLst>
+              <a:ext uri="{FF2B5EF4-FFF2-40B4-BE49-F238E27FC236}">
+                <a16:creationId xmlns:a16="http://schemas.microsoft.com/office/drawing/2014/main" id="{89E7E25E-6550-9CEB-3DDB-CE82C4A20631}"/>
+              </a:ext>
+            </a:extLst>
+          </p:cNvPr>
+          <p:cNvCxnSpPr/>
+          <p:nvPr/>
+        </p:nvCxnSpPr>
+        <p:spPr>
+          <a:xfrm>
+            <a:off x="12983759" y="6028919"/>
+            <a:ext cx="0" cy="982663"/>
+          </a:xfrm>
+          <a:prstGeom prst="straightConnector1">
+            <a:avLst/>
+          </a:prstGeom>
+          <a:solidFill>
+            <a:schemeClr val="accent6">
+              <a:lumMod val="60000"/>
+              <a:lumOff val="40000"/>
+            </a:schemeClr>
+          </a:solidFill>
+          <a:ln w="57150">
+            <a:solidFill>
+              <a:schemeClr val="tx1"/>
+            </a:solidFill>
+          </a:ln>
+        </p:spPr>
+        <p:style>
+          <a:lnRef idx="1">
+            <a:schemeClr val="accent1"/>
+          </a:lnRef>
+          <a:fillRef idx="0">
+            <a:schemeClr val="accent1"/>
+          </a:fillRef>
+          <a:effectRef idx="0">
+            <a:schemeClr val="accent1"/>
+          </a:effectRef>
+          <a:fontRef idx="minor">
+            <a:schemeClr val="tx1"/>
+          </a:fontRef>
+        </p:style>
+      </p:cxnSp>
+      <p:cxnSp>
+        <p:nvCxnSpPr>
+          <p:cNvPr id="32" name="Straight Arrow Connector 31">
+            <a:extLst>
+              <a:ext uri="{FF2B5EF4-FFF2-40B4-BE49-F238E27FC236}">
+                <a16:creationId xmlns:a16="http://schemas.microsoft.com/office/drawing/2014/main" id="{D6288AA3-AB01-83F1-8906-E7E03628FB7C}"/>
+              </a:ext>
+            </a:extLst>
+          </p:cNvPr>
+          <p:cNvCxnSpPr>
+            <a:cxnSpLocks/>
+          </p:cNvCxnSpPr>
+          <p:nvPr/>
+        </p:nvCxnSpPr>
+        <p:spPr>
+          <a:xfrm flipH="1">
+            <a:off x="10173884" y="7700557"/>
+            <a:ext cx="1470025" cy="1588"/>
+          </a:xfrm>
+          <a:prstGeom prst="straightConnector1">
+            <a:avLst/>
+          </a:prstGeom>
+          <a:solidFill>
+            <a:schemeClr val="accent6">
+              <a:lumMod val="60000"/>
+              <a:lumOff val="40000"/>
+            </a:schemeClr>
+          </a:solidFill>
+          <a:ln w="57150">
+            <a:solidFill>
+              <a:schemeClr val="tx1"/>
+            </a:solidFill>
+          </a:ln>
+        </p:spPr>
+        <p:style>
+          <a:lnRef idx="1">
+            <a:schemeClr val="accent1"/>
+          </a:lnRef>
+          <a:fillRef idx="0">
+            <a:schemeClr val="accent1"/>
+          </a:fillRef>
+          <a:effectRef idx="0">
+            <a:schemeClr val="accent1"/>
+          </a:effectRef>
+          <a:fontRef idx="minor">
+            <a:schemeClr val="tx1"/>
+          </a:fontRef>
+        </p:style>
+      </p:cxnSp>
+      <p:cxnSp>
+        <p:nvCxnSpPr>
+          <p:cNvPr id="33" name="Straight Arrow Connector 32">
+            <a:extLst>
+              <a:ext uri="{FF2B5EF4-FFF2-40B4-BE49-F238E27FC236}">
+                <a16:creationId xmlns:a16="http://schemas.microsoft.com/office/drawing/2014/main" id="{6EAAB251-56D3-20C6-978C-FC03EDC2428F}"/>
+              </a:ext>
+            </a:extLst>
+          </p:cNvPr>
+          <p:cNvCxnSpPr>
+            <a:cxnSpLocks/>
+          </p:cNvCxnSpPr>
+          <p:nvPr/>
+        </p:nvCxnSpPr>
+        <p:spPr>
+          <a:xfrm flipV="1">
+            <a:off x="10144125" y="2703513"/>
+            <a:ext cx="1450975" cy="4763"/>
+          </a:xfrm>
+          <a:prstGeom prst="straightConnector1">
+            <a:avLst/>
+          </a:prstGeom>
+          <a:solidFill>
+            <a:schemeClr val="accent6">
+              <a:lumMod val="60000"/>
+              <a:lumOff val="40000"/>
+            </a:schemeClr>
+          </a:solidFill>
+          <a:ln w="57150">
+            <a:solidFill>
+              <a:schemeClr val="tx1"/>
+            </a:solidFill>
+          </a:ln>
+        </p:spPr>
+        <p:style>
+          <a:lnRef idx="1">
+            <a:schemeClr val="accent1"/>
+          </a:lnRef>
+          <a:fillRef idx="0">
+            <a:schemeClr val="accent1"/>
+          </a:fillRef>
+          <a:effectRef idx="0">
+            <a:schemeClr val="accent1"/>
+          </a:effectRef>
+          <a:fontRef idx="minor">
+            <a:schemeClr val="tx1"/>
+          </a:fontRef>
+        </p:style>
+      </p:cxnSp>
+      <p:sp>
+        <p:nvSpPr>
+          <p:cNvPr id="3" name="Rectangle: Rounded Corners 2">
+            <a:extLst>
+              <a:ext uri="{FF2B5EF4-FFF2-40B4-BE49-F238E27FC236}">
+                <a16:creationId xmlns:a16="http://schemas.microsoft.com/office/drawing/2014/main" id="{569DEA3C-EFDD-B5B2-0DDA-970C3E747914}"/>
+              </a:ext>
+            </a:extLst>
+          </p:cNvPr>
+          <p:cNvSpPr/>
+          <p:nvPr/>
+        </p:nvSpPr>
+        <p:spPr>
+          <a:xfrm>
+            <a:off x="3356074" y="2021944"/>
+            <a:ext cx="2681288" cy="1379538"/>
+          </a:xfrm>
+          <a:prstGeom prst="roundRect">
+            <a:avLst/>
+          </a:prstGeom>
+          <a:solidFill>
+            <a:schemeClr val="accent4">
+              <a:lumMod val="40000"/>
+              <a:lumOff val="60000"/>
+            </a:schemeClr>
+          </a:solidFill>
+        </p:spPr>
+        <p:style>
+          <a:lnRef idx="2">
+            <a:schemeClr val="accent1">
+              <a:shade val="50000"/>
+            </a:schemeClr>
+          </a:lnRef>
+          <a:fillRef idx="1">
+            <a:schemeClr val="accent1"/>
+          </a:fillRef>
+          <a:effectRef idx="0">
+            <a:schemeClr val="accent1"/>
+          </a:effectRef>
+          <a:fontRef idx="minor">
+            <a:schemeClr val="lt1"/>
+          </a:fontRef>
+        </p:style>
+        <p:txBody>
+          <a:bodyPr rtlCol="0" anchor="ctr"/>
+          <a:lstStyle/>
+          <a:p>
+            <a:pPr algn="ctr"/>
+            <a:r>
+              <a:rPr lang="en-US" sz="3200" b="1" dirty="0">
+                <a:solidFill>
+                  <a:schemeClr val="tx1"/>
+                </a:solidFill>
+              </a:rPr>
+              <a:t>Wing</a:t>
+            </a:r>
+          </a:p>
+        </p:txBody>
+      </p:sp>
+      <p:sp>
+        <p:nvSpPr>
+          <p:cNvPr id="4" name="Rectangle: Rounded Corners 3">
+            <a:extLst>
+              <a:ext uri="{FF2B5EF4-FFF2-40B4-BE49-F238E27FC236}">
+                <a16:creationId xmlns:a16="http://schemas.microsoft.com/office/drawing/2014/main" id="{1803AA67-C2E2-B468-9CEA-3035B00F908E}"/>
+              </a:ext>
+            </a:extLst>
+          </p:cNvPr>
+          <p:cNvSpPr/>
+          <p:nvPr/>
+        </p:nvSpPr>
+        <p:spPr>
+          <a:xfrm>
+            <a:off x="3356074" y="6997169"/>
+            <a:ext cx="2681288" cy="1379538"/>
+          </a:xfrm>
+          <a:prstGeom prst="roundRect">
+            <a:avLst/>
+          </a:prstGeom>
+          <a:solidFill>
+            <a:schemeClr val="accent4">
+              <a:lumMod val="40000"/>
+              <a:lumOff val="60000"/>
+            </a:schemeClr>
+          </a:solidFill>
+        </p:spPr>
+        <p:style>
+          <a:lnRef idx="2">
+            <a:schemeClr val="accent1">
+              <a:shade val="50000"/>
+            </a:schemeClr>
+          </a:lnRef>
+          <a:fillRef idx="1">
+            <a:schemeClr val="accent1"/>
+          </a:fillRef>
+          <a:effectRef idx="0">
+            <a:schemeClr val="accent1"/>
+          </a:effectRef>
+          <a:fontRef idx="minor">
+            <a:schemeClr val="lt1"/>
+          </a:fontRef>
+        </p:style>
+        <p:txBody>
+          <a:bodyPr rtlCol="0" anchor="ctr"/>
+          <a:lstStyle/>
+          <a:p>
+            <a:pPr algn="ctr"/>
+            <a:r>
+              <a:rPr lang="en-US" sz="3200" b="1">
+                <a:solidFill>
+                  <a:schemeClr val="tx1"/>
+                </a:solidFill>
+              </a:rPr>
+              <a:t>Owner</a:t>
+            </a:r>
+          </a:p>
+        </p:txBody>
+      </p:sp>
+      <p:sp>
+        <p:nvSpPr>
+          <p:cNvPr id="5" name="Rectangle: Rounded Corners 4">
+            <a:extLst>
+              <a:ext uri="{FF2B5EF4-FFF2-40B4-BE49-F238E27FC236}">
+                <a16:creationId xmlns:a16="http://schemas.microsoft.com/office/drawing/2014/main" id="{F347AFC2-4C6E-95DF-D372-6340C24583BC}"/>
+              </a:ext>
+            </a:extLst>
+          </p:cNvPr>
+          <p:cNvSpPr/>
+          <p:nvPr/>
+        </p:nvSpPr>
+        <p:spPr>
+          <a:xfrm>
+            <a:off x="11596786" y="6997169"/>
+            <a:ext cx="2681288" cy="1379538"/>
+          </a:xfrm>
+          <a:prstGeom prst="roundRect">
+            <a:avLst/>
+          </a:prstGeom>
+          <a:solidFill>
+            <a:schemeClr val="accent4">
+              <a:lumMod val="40000"/>
+              <a:lumOff val="60000"/>
+            </a:schemeClr>
+          </a:solidFill>
+        </p:spPr>
+        <p:style>
+          <a:lnRef idx="2">
+            <a:schemeClr val="accent1">
+              <a:shade val="50000"/>
+            </a:schemeClr>
+          </a:lnRef>
+          <a:fillRef idx="1">
+            <a:schemeClr val="accent1"/>
+          </a:fillRef>
+          <a:effectRef idx="0">
+            <a:schemeClr val="accent1"/>
+          </a:effectRef>
+          <a:fontRef idx="minor">
+            <a:schemeClr val="lt1"/>
+          </a:fontRef>
+        </p:style>
+        <p:txBody>
+          <a:bodyPr rtlCol="0" anchor="ctr"/>
+          <a:lstStyle/>
+          <a:p>
+            <a:pPr algn="ctr"/>
+            <a:r>
+              <a:rPr lang="en-US" sz="3200" b="1">
+                <a:solidFill>
+                  <a:schemeClr val="tx1"/>
+                </a:solidFill>
+              </a:rPr>
+              <a:t>Apartment</a:t>
+            </a:r>
+          </a:p>
+        </p:txBody>
+      </p:sp>
+      <p:sp>
+        <p:nvSpPr>
+          <p:cNvPr id="6" name="Rectangle: Rounded Corners 5">
+            <a:extLst>
+              <a:ext uri="{FF2B5EF4-FFF2-40B4-BE49-F238E27FC236}">
+                <a16:creationId xmlns:a16="http://schemas.microsoft.com/office/drawing/2014/main" id="{6D576809-1EBB-763D-9BC2-7DC5893B9FD6}"/>
+              </a:ext>
+            </a:extLst>
+          </p:cNvPr>
+          <p:cNvSpPr/>
+          <p:nvPr/>
+        </p:nvSpPr>
+        <p:spPr>
+          <a:xfrm>
+            <a:off x="11596786" y="2021944"/>
+            <a:ext cx="2681288" cy="1379538"/>
+          </a:xfrm>
+          <a:prstGeom prst="roundRect">
+            <a:avLst/>
+          </a:prstGeom>
+          <a:solidFill>
+            <a:schemeClr val="accent4">
+              <a:lumMod val="40000"/>
+              <a:lumOff val="60000"/>
+            </a:schemeClr>
+          </a:solidFill>
+        </p:spPr>
+        <p:style>
+          <a:lnRef idx="2">
+            <a:schemeClr val="accent1">
+              <a:shade val="50000"/>
+            </a:schemeClr>
+          </a:lnRef>
+          <a:fillRef idx="1">
+            <a:schemeClr val="accent1"/>
+          </a:fillRef>
+          <a:effectRef idx="0">
+            <a:schemeClr val="accent1"/>
+          </a:effectRef>
+          <a:fontRef idx="minor">
+            <a:schemeClr val="lt1"/>
+          </a:fontRef>
+        </p:style>
+        <p:txBody>
+          <a:bodyPr rtlCol="0" anchor="ctr"/>
+          <a:lstStyle/>
+          <a:p>
+            <a:pPr algn="ctr"/>
+            <a:r>
+              <a:rPr lang="en-US" sz="3200" b="1" dirty="0">
+                <a:solidFill>
+                  <a:schemeClr val="tx1"/>
+                </a:solidFill>
+              </a:rPr>
+              <a:t>Floor</a:t>
+            </a:r>
+          </a:p>
+        </p:txBody>
+      </p:sp>
     </p:spTree>
+    <p:extLst>
+      <p:ext uri="{BB962C8B-B14F-4D97-AF65-F5344CB8AC3E}">
+        <p14:creationId xmlns:p14="http://schemas.microsoft.com/office/powerpoint/2010/main" val="2353402062"/>
+      </p:ext>
+    </p:extLst>
   </p:cSld>
   <p:clrMapOvr>
     <a:masterClrMapping/>
   </p:clrMapOvr>
+  <p:timing>
+    <p:tnLst>
+      <p:par>
+        <p:cTn id="1" dur="indefinite" restart="never" nodeType="tmRoot">
+          <p:childTnLst>
+            <p:seq concurrent="1" nextAc="seek">
+              <p:cTn id="2" dur="indefinite" nodeType="mainSeq">
+                <p:childTnLst>
+                  <p:par>
+                    <p:cTn id="3" fill="hold">
+                      <p:stCondLst>
+                        <p:cond delay="indefinite"/>
+                      </p:stCondLst>
+                      <p:childTnLst>
+                        <p:par>
+                          <p:cTn id="4" fill="hold">
+                            <p:stCondLst>
+                              <p:cond delay="0"/>
+                            </p:stCondLst>
+                            <p:childTnLst>
+                              <p:par>
+                                <p:cTn id="5" presetID="10" presetClass="entr" presetSubtype="0" fill="hold" grpId="0" nodeType="clickEffect">
+                                  <p:stCondLst>
+                                    <p:cond delay="0"/>
+                                  </p:stCondLst>
+                                  <p:childTnLst>
+                                    <p:set>
+                                      <p:cBhvr>
+                                        <p:cTn id="6" dur="1" fill="hold">
+                                          <p:stCondLst>
+                                            <p:cond delay="0"/>
+                                          </p:stCondLst>
+                                        </p:cTn>
+                                        <p:tgtEl>
+                                          <p:spTgt spid="3"/>
+                                        </p:tgtEl>
+                                        <p:attrNameLst>
+                                          <p:attrName>style.visibility</p:attrName>
+                                        </p:attrNameLst>
+                                      </p:cBhvr>
+                                      <p:to>
+                                        <p:strVal val="visible"/>
+                                      </p:to>
+                                    </p:set>
+                                    <p:animEffect transition="in" filter="fade">
+                                      <p:cBhvr>
+                                        <p:cTn id="7" dur="500"/>
+                                        <p:tgtEl>
+                                          <p:spTgt spid="3"/>
+                                        </p:tgtEl>
+                                      </p:cBhvr>
+                                    </p:animEffect>
+                                  </p:childTnLst>
+                                </p:cTn>
+                              </p:par>
+                            </p:childTnLst>
+                          </p:cTn>
+                        </p:par>
+                      </p:childTnLst>
+                    </p:cTn>
+                  </p:par>
+                  <p:par>
+                    <p:cTn id="8" fill="hold">
+                      <p:stCondLst>
+                        <p:cond delay="indefinite"/>
+                      </p:stCondLst>
+                      <p:childTnLst>
+                        <p:par>
+                          <p:cTn id="9" fill="hold">
+                            <p:stCondLst>
+                              <p:cond delay="0"/>
+                            </p:stCondLst>
+                            <p:childTnLst>
+                              <p:par>
+                                <p:cTn id="10" presetID="10" presetClass="entr" presetSubtype="0" fill="hold" nodeType="clickEffect">
+                                  <p:stCondLst>
+                                    <p:cond delay="0"/>
+                                  </p:stCondLst>
+                                  <p:childTnLst>
+                                    <p:set>
+                                      <p:cBhvr>
+                                        <p:cTn id="11" dur="1" fill="hold">
+                                          <p:stCondLst>
+                                            <p:cond delay="0"/>
+                                          </p:stCondLst>
+                                        </p:cTn>
+                                        <p:tgtEl>
+                                          <p:spTgt spid="33"/>
+                                        </p:tgtEl>
+                                        <p:attrNameLst>
+                                          <p:attrName>style.visibility</p:attrName>
+                                        </p:attrNameLst>
+                                      </p:cBhvr>
+                                      <p:to>
+                                        <p:strVal val="visible"/>
+                                      </p:to>
+                                    </p:set>
+                                    <p:animEffect transition="in" filter="fade">
+                                      <p:cBhvr>
+                                        <p:cTn id="12" dur="500"/>
+                                        <p:tgtEl>
+                                          <p:spTgt spid="33"/>
+                                        </p:tgtEl>
+                                      </p:cBhvr>
+                                    </p:animEffect>
+                                  </p:childTnLst>
+                                </p:cTn>
+                              </p:par>
+                              <p:par>
+                                <p:cTn id="13" presetID="10" presetClass="entr" presetSubtype="0" fill="hold" grpId="0" nodeType="withEffect">
+                                  <p:stCondLst>
+                                    <p:cond delay="0"/>
+                                  </p:stCondLst>
+                                  <p:childTnLst>
+                                    <p:set>
+                                      <p:cBhvr>
+                                        <p:cTn id="14" dur="1" fill="hold">
+                                          <p:stCondLst>
+                                            <p:cond delay="0"/>
+                                          </p:stCondLst>
+                                        </p:cTn>
+                                        <p:tgtEl>
+                                          <p:spTgt spid="7"/>
+                                        </p:tgtEl>
+                                        <p:attrNameLst>
+                                          <p:attrName>style.visibility</p:attrName>
+                                        </p:attrNameLst>
+                                      </p:cBhvr>
+                                      <p:to>
+                                        <p:strVal val="visible"/>
+                                      </p:to>
+                                    </p:set>
+                                    <p:animEffect transition="in" filter="fade">
+                                      <p:cBhvr>
+                                        <p:cTn id="15" dur="500"/>
+                                        <p:tgtEl>
+                                          <p:spTgt spid="7"/>
+                                        </p:tgtEl>
+                                      </p:cBhvr>
+                                    </p:animEffect>
+                                  </p:childTnLst>
+                                </p:cTn>
+                              </p:par>
+                              <p:par>
+                                <p:cTn id="16" presetID="10" presetClass="entr" presetSubtype="0" fill="hold" nodeType="withEffect">
+                                  <p:stCondLst>
+                                    <p:cond delay="0"/>
+                                  </p:stCondLst>
+                                  <p:childTnLst>
+                                    <p:set>
+                                      <p:cBhvr>
+                                        <p:cTn id="17" dur="1" fill="hold">
+                                          <p:stCondLst>
+                                            <p:cond delay="0"/>
+                                          </p:stCondLst>
+                                        </p:cTn>
+                                        <p:tgtEl>
+                                          <p:spTgt spid="28"/>
+                                        </p:tgtEl>
+                                        <p:attrNameLst>
+                                          <p:attrName>style.visibility</p:attrName>
+                                        </p:attrNameLst>
+                                      </p:cBhvr>
+                                      <p:to>
+                                        <p:strVal val="visible"/>
+                                      </p:to>
+                                    </p:set>
+                                    <p:animEffect transition="in" filter="fade">
+                                      <p:cBhvr>
+                                        <p:cTn id="18" dur="500"/>
+                                        <p:tgtEl>
+                                          <p:spTgt spid="28"/>
+                                        </p:tgtEl>
+                                      </p:cBhvr>
+                                    </p:animEffect>
+                                  </p:childTnLst>
+                                </p:cTn>
+                              </p:par>
+                            </p:childTnLst>
+                          </p:cTn>
+                        </p:par>
+                        <p:par>
+                          <p:cTn id="19" fill="hold">
+                            <p:stCondLst>
+                              <p:cond delay="500"/>
+                            </p:stCondLst>
+                            <p:childTnLst>
+                              <p:par>
+                                <p:cTn id="20" presetID="10" presetClass="entr" presetSubtype="0" fill="hold" grpId="0" nodeType="afterEffect">
+                                  <p:stCondLst>
+                                    <p:cond delay="0"/>
+                                  </p:stCondLst>
+                                  <p:childTnLst>
+                                    <p:set>
+                                      <p:cBhvr>
+                                        <p:cTn id="21" dur="1" fill="hold">
+                                          <p:stCondLst>
+                                            <p:cond delay="0"/>
+                                          </p:stCondLst>
+                                        </p:cTn>
+                                        <p:tgtEl>
+                                          <p:spTgt spid="6"/>
+                                        </p:tgtEl>
+                                        <p:attrNameLst>
+                                          <p:attrName>style.visibility</p:attrName>
+                                        </p:attrNameLst>
+                                      </p:cBhvr>
+                                      <p:to>
+                                        <p:strVal val="visible"/>
+                                      </p:to>
+                                    </p:set>
+                                    <p:animEffect transition="in" filter="fade">
+                                      <p:cBhvr>
+                                        <p:cTn id="22" dur="500"/>
+                                        <p:tgtEl>
+                                          <p:spTgt spid="6"/>
+                                        </p:tgtEl>
+                                      </p:cBhvr>
+                                    </p:animEffect>
+                                  </p:childTnLst>
+                                </p:cTn>
+                              </p:par>
+                            </p:childTnLst>
+                          </p:cTn>
+                        </p:par>
+                      </p:childTnLst>
+                    </p:cTn>
+                  </p:par>
+                  <p:par>
+                    <p:cTn id="23" fill="hold">
+                      <p:stCondLst>
+                        <p:cond delay="indefinite"/>
+                      </p:stCondLst>
+                      <p:childTnLst>
+                        <p:par>
+                          <p:cTn id="24" fill="hold">
+                            <p:stCondLst>
+                              <p:cond delay="0"/>
+                            </p:stCondLst>
+                            <p:childTnLst>
+                              <p:par>
+                                <p:cTn id="25" presetID="10" presetClass="entr" presetSubtype="0" fill="hold" nodeType="clickEffect">
+                                  <p:stCondLst>
+                                    <p:cond delay="0"/>
+                                  </p:stCondLst>
+                                  <p:childTnLst>
+                                    <p:set>
+                                      <p:cBhvr>
+                                        <p:cTn id="26" dur="1" fill="hold">
+                                          <p:stCondLst>
+                                            <p:cond delay="0"/>
+                                          </p:stCondLst>
+                                        </p:cTn>
+                                        <p:tgtEl>
+                                          <p:spTgt spid="30"/>
+                                        </p:tgtEl>
+                                        <p:attrNameLst>
+                                          <p:attrName>style.visibility</p:attrName>
+                                        </p:attrNameLst>
+                                      </p:cBhvr>
+                                      <p:to>
+                                        <p:strVal val="visible"/>
+                                      </p:to>
+                                    </p:set>
+                                    <p:animEffect transition="in" filter="fade">
+                                      <p:cBhvr>
+                                        <p:cTn id="27" dur="500"/>
+                                        <p:tgtEl>
+                                          <p:spTgt spid="30"/>
+                                        </p:tgtEl>
+                                      </p:cBhvr>
+                                    </p:animEffect>
+                                  </p:childTnLst>
+                                </p:cTn>
+                              </p:par>
+                              <p:par>
+                                <p:cTn id="28" presetID="10" presetClass="entr" presetSubtype="0" fill="hold" grpId="0" nodeType="withEffect">
+                                  <p:stCondLst>
+                                    <p:cond delay="0"/>
+                                  </p:stCondLst>
+                                  <p:childTnLst>
+                                    <p:set>
+                                      <p:cBhvr>
+                                        <p:cTn id="29" dur="1" fill="hold">
+                                          <p:stCondLst>
+                                            <p:cond delay="0"/>
+                                          </p:stCondLst>
+                                        </p:cTn>
+                                        <p:tgtEl>
+                                          <p:spTgt spid="9"/>
+                                        </p:tgtEl>
+                                        <p:attrNameLst>
+                                          <p:attrName>style.visibility</p:attrName>
+                                        </p:attrNameLst>
+                                      </p:cBhvr>
+                                      <p:to>
+                                        <p:strVal val="visible"/>
+                                      </p:to>
+                                    </p:set>
+                                    <p:animEffect transition="in" filter="fade">
+                                      <p:cBhvr>
+                                        <p:cTn id="30" dur="500"/>
+                                        <p:tgtEl>
+                                          <p:spTgt spid="9"/>
+                                        </p:tgtEl>
+                                      </p:cBhvr>
+                                    </p:animEffect>
+                                  </p:childTnLst>
+                                </p:cTn>
+                              </p:par>
+                              <p:par>
+                                <p:cTn id="31" presetID="10" presetClass="entr" presetSubtype="0" fill="hold" nodeType="withEffect">
+                                  <p:stCondLst>
+                                    <p:cond delay="0"/>
+                                  </p:stCondLst>
+                                  <p:childTnLst>
+                                    <p:set>
+                                      <p:cBhvr>
+                                        <p:cTn id="32" dur="1" fill="hold">
+                                          <p:stCondLst>
+                                            <p:cond delay="0"/>
+                                          </p:stCondLst>
+                                        </p:cTn>
+                                        <p:tgtEl>
+                                          <p:spTgt spid="31"/>
+                                        </p:tgtEl>
+                                        <p:attrNameLst>
+                                          <p:attrName>style.visibility</p:attrName>
+                                        </p:attrNameLst>
+                                      </p:cBhvr>
+                                      <p:to>
+                                        <p:strVal val="visible"/>
+                                      </p:to>
+                                    </p:set>
+                                    <p:animEffect transition="in" filter="fade">
+                                      <p:cBhvr>
+                                        <p:cTn id="33" dur="500"/>
+                                        <p:tgtEl>
+                                          <p:spTgt spid="31"/>
+                                        </p:tgtEl>
+                                      </p:cBhvr>
+                                    </p:animEffect>
+                                  </p:childTnLst>
+                                </p:cTn>
+                              </p:par>
+                            </p:childTnLst>
+                          </p:cTn>
+                        </p:par>
+                        <p:par>
+                          <p:cTn id="34" fill="hold">
+                            <p:stCondLst>
+                              <p:cond delay="500"/>
+                            </p:stCondLst>
+                            <p:childTnLst>
+                              <p:par>
+                                <p:cTn id="35" presetID="10" presetClass="entr" presetSubtype="0" fill="hold" grpId="0" nodeType="afterEffect">
+                                  <p:stCondLst>
+                                    <p:cond delay="0"/>
+                                  </p:stCondLst>
+                                  <p:childTnLst>
+                                    <p:set>
+                                      <p:cBhvr>
+                                        <p:cTn id="36" dur="1" fill="hold">
+                                          <p:stCondLst>
+                                            <p:cond delay="0"/>
+                                          </p:stCondLst>
+                                        </p:cTn>
+                                        <p:tgtEl>
+                                          <p:spTgt spid="5"/>
+                                        </p:tgtEl>
+                                        <p:attrNameLst>
+                                          <p:attrName>style.visibility</p:attrName>
+                                        </p:attrNameLst>
+                                      </p:cBhvr>
+                                      <p:to>
+                                        <p:strVal val="visible"/>
+                                      </p:to>
+                                    </p:set>
+                                    <p:animEffect transition="in" filter="fade">
+                                      <p:cBhvr>
+                                        <p:cTn id="37" dur="500"/>
+                                        <p:tgtEl>
+                                          <p:spTgt spid="5"/>
+                                        </p:tgtEl>
+                                      </p:cBhvr>
+                                    </p:animEffect>
+                                  </p:childTnLst>
+                                </p:cTn>
+                              </p:par>
+                            </p:childTnLst>
+                          </p:cTn>
+                        </p:par>
+                      </p:childTnLst>
+                    </p:cTn>
+                  </p:par>
+                  <p:par>
+                    <p:cTn id="38" fill="hold">
+                      <p:stCondLst>
+                        <p:cond delay="indefinite"/>
+                      </p:stCondLst>
+                      <p:childTnLst>
+                        <p:par>
+                          <p:cTn id="39" fill="hold">
+                            <p:stCondLst>
+                              <p:cond delay="0"/>
+                            </p:stCondLst>
+                            <p:childTnLst>
+                              <p:par>
+                                <p:cTn id="40" presetID="10" presetClass="entr" presetSubtype="0" fill="hold" nodeType="clickEffect">
+                                  <p:stCondLst>
+                                    <p:cond delay="0"/>
+                                  </p:stCondLst>
+                                  <p:childTnLst>
+                                    <p:set>
+                                      <p:cBhvr>
+                                        <p:cTn id="41" dur="1" fill="hold">
+                                          <p:stCondLst>
+                                            <p:cond delay="0"/>
+                                          </p:stCondLst>
+                                        </p:cTn>
+                                        <p:tgtEl>
+                                          <p:spTgt spid="32"/>
+                                        </p:tgtEl>
+                                        <p:attrNameLst>
+                                          <p:attrName>style.visibility</p:attrName>
+                                        </p:attrNameLst>
+                                      </p:cBhvr>
+                                      <p:to>
+                                        <p:strVal val="visible"/>
+                                      </p:to>
+                                    </p:set>
+                                    <p:animEffect transition="in" filter="fade">
+                                      <p:cBhvr>
+                                        <p:cTn id="42" dur="500"/>
+                                        <p:tgtEl>
+                                          <p:spTgt spid="32"/>
+                                        </p:tgtEl>
+                                      </p:cBhvr>
+                                    </p:animEffect>
+                                  </p:childTnLst>
+                                </p:cTn>
+                              </p:par>
+                              <p:par>
+                                <p:cTn id="43" presetID="10" presetClass="entr" presetSubtype="0" fill="hold" grpId="0" nodeType="withEffect">
+                                  <p:stCondLst>
+                                    <p:cond delay="0"/>
+                                  </p:stCondLst>
+                                  <p:childTnLst>
+                                    <p:set>
+                                      <p:cBhvr>
+                                        <p:cTn id="44" dur="1" fill="hold">
+                                          <p:stCondLst>
+                                            <p:cond delay="0"/>
+                                          </p:stCondLst>
+                                        </p:cTn>
+                                        <p:tgtEl>
+                                          <p:spTgt spid="8"/>
+                                        </p:tgtEl>
+                                        <p:attrNameLst>
+                                          <p:attrName>style.visibility</p:attrName>
+                                        </p:attrNameLst>
+                                      </p:cBhvr>
+                                      <p:to>
+                                        <p:strVal val="visible"/>
+                                      </p:to>
+                                    </p:set>
+                                    <p:animEffect transition="in" filter="fade">
+                                      <p:cBhvr>
+                                        <p:cTn id="45" dur="500"/>
+                                        <p:tgtEl>
+                                          <p:spTgt spid="8"/>
+                                        </p:tgtEl>
+                                      </p:cBhvr>
+                                    </p:animEffect>
+                                  </p:childTnLst>
+                                </p:cTn>
+                              </p:par>
+                              <p:par>
+                                <p:cTn id="46" presetID="10" presetClass="entr" presetSubtype="0" fill="hold" nodeType="withEffect">
+                                  <p:stCondLst>
+                                    <p:cond delay="0"/>
+                                  </p:stCondLst>
+                                  <p:childTnLst>
+                                    <p:set>
+                                      <p:cBhvr>
+                                        <p:cTn id="47" dur="1" fill="hold">
+                                          <p:stCondLst>
+                                            <p:cond delay="0"/>
+                                          </p:stCondLst>
+                                        </p:cTn>
+                                        <p:tgtEl>
+                                          <p:spTgt spid="29"/>
+                                        </p:tgtEl>
+                                        <p:attrNameLst>
+                                          <p:attrName>style.visibility</p:attrName>
+                                        </p:attrNameLst>
+                                      </p:cBhvr>
+                                      <p:to>
+                                        <p:strVal val="visible"/>
+                                      </p:to>
+                                    </p:set>
+                                    <p:animEffect transition="in" filter="fade">
+                                      <p:cBhvr>
+                                        <p:cTn id="48" dur="500"/>
+                                        <p:tgtEl>
+                                          <p:spTgt spid="29"/>
+                                        </p:tgtEl>
+                                      </p:cBhvr>
+                                    </p:animEffect>
+                                  </p:childTnLst>
+                                </p:cTn>
+                              </p:par>
+                            </p:childTnLst>
+                          </p:cTn>
+                        </p:par>
+                        <p:par>
+                          <p:cTn id="49" fill="hold">
+                            <p:stCondLst>
+                              <p:cond delay="500"/>
+                            </p:stCondLst>
+                            <p:childTnLst>
+                              <p:par>
+                                <p:cTn id="50" presetID="10" presetClass="entr" presetSubtype="0" fill="hold" grpId="0" nodeType="afterEffect">
+                                  <p:stCondLst>
+                                    <p:cond delay="0"/>
+                                  </p:stCondLst>
+                                  <p:childTnLst>
+                                    <p:set>
+                                      <p:cBhvr>
+                                        <p:cTn id="51" dur="1" fill="hold">
+                                          <p:stCondLst>
+                                            <p:cond delay="0"/>
+                                          </p:stCondLst>
+                                        </p:cTn>
+                                        <p:tgtEl>
+                                          <p:spTgt spid="4"/>
+                                        </p:tgtEl>
+                                        <p:attrNameLst>
+                                          <p:attrName>style.visibility</p:attrName>
+                                        </p:attrNameLst>
+                                      </p:cBhvr>
+                                      <p:to>
+                                        <p:strVal val="visible"/>
+                                      </p:to>
+                                    </p:set>
+                                    <p:animEffect transition="in" filter="fade">
+                                      <p:cBhvr>
+                                        <p:cTn id="52" dur="500"/>
+                                        <p:tgtEl>
+                                          <p:spTgt spid="4"/>
+                                        </p:tgtEl>
+                                      </p:cBhvr>
+                                    </p:animEffect>
+                                  </p:childTnLst>
+                                </p:cTn>
+                              </p:par>
+                            </p:childTnLst>
+                          </p:cTn>
+                        </p:par>
+                      </p:childTnLst>
+                    </p:cTn>
+                  </p:par>
+                  <p:par>
+                    <p:cTn id="53" fill="hold">
+                      <p:stCondLst>
+                        <p:cond delay="indefinite"/>
+                      </p:stCondLst>
+                      <p:childTnLst>
+                        <p:par>
+                          <p:cTn id="54" fill="hold">
+                            <p:stCondLst>
+                              <p:cond delay="0"/>
+                            </p:stCondLst>
+                            <p:childTnLst>
+                              <p:par>
+                                <p:cTn id="55" presetID="10" presetClass="entr" presetSubtype="0" fill="hold" nodeType="clickEffect">
+                                  <p:stCondLst>
+                                    <p:cond delay="0"/>
+                                  </p:stCondLst>
+                                  <p:childTnLst>
+                                    <p:set>
+                                      <p:cBhvr>
+                                        <p:cTn id="56" dur="1" fill="hold">
+                                          <p:stCondLst>
+                                            <p:cond delay="0"/>
+                                          </p:stCondLst>
+                                        </p:cTn>
+                                        <p:tgtEl>
+                                          <p:spTgt spid="66"/>
+                                        </p:tgtEl>
+                                        <p:attrNameLst>
+                                          <p:attrName>style.visibility</p:attrName>
+                                        </p:attrNameLst>
+                                      </p:cBhvr>
+                                      <p:to>
+                                        <p:strVal val="visible"/>
+                                      </p:to>
+                                    </p:set>
+                                    <p:animEffect transition="in" filter="fade">
+                                      <p:cBhvr>
+                                        <p:cTn id="57" dur="500"/>
+                                        <p:tgtEl>
+                                          <p:spTgt spid="66"/>
+                                        </p:tgtEl>
+                                      </p:cBhvr>
+                                    </p:animEffect>
+                                  </p:childTnLst>
+                                </p:cTn>
+                              </p:par>
+                            </p:childTnLst>
+                          </p:cTn>
+                        </p:par>
+                      </p:childTnLst>
+                    </p:cTn>
+                  </p:par>
+                  <p:par>
+                    <p:cTn id="58" fill="hold">
+                      <p:stCondLst>
+                        <p:cond delay="indefinite"/>
+                      </p:stCondLst>
+                      <p:childTnLst>
+                        <p:par>
+                          <p:cTn id="59" fill="hold">
+                            <p:stCondLst>
+                              <p:cond delay="0"/>
+                            </p:stCondLst>
+                            <p:childTnLst>
+                              <p:par>
+                                <p:cTn id="60" presetID="10" presetClass="entr" presetSubtype="0" fill="hold" nodeType="clickEffect">
+                                  <p:stCondLst>
+                                    <p:cond delay="0"/>
+                                  </p:stCondLst>
+                                  <p:childTnLst>
+                                    <p:set>
+                                      <p:cBhvr>
+                                        <p:cTn id="61" dur="1" fill="hold">
+                                          <p:stCondLst>
+                                            <p:cond delay="0"/>
+                                          </p:stCondLst>
+                                        </p:cTn>
+                                        <p:tgtEl>
+                                          <p:spTgt spid="64"/>
+                                        </p:tgtEl>
+                                        <p:attrNameLst>
+                                          <p:attrName>style.visibility</p:attrName>
+                                        </p:attrNameLst>
+                                      </p:cBhvr>
+                                      <p:to>
+                                        <p:strVal val="visible"/>
+                                      </p:to>
+                                    </p:set>
+                                    <p:animEffect transition="in" filter="fade">
+                                      <p:cBhvr>
+                                        <p:cTn id="62" dur="500"/>
+                                        <p:tgtEl>
+                                          <p:spTgt spid="64"/>
+                                        </p:tgtEl>
+                                      </p:cBhvr>
+                                    </p:animEffect>
+                                  </p:childTnLst>
+                                </p:cTn>
+                              </p:par>
+                            </p:childTnLst>
+                          </p:cTn>
+                        </p:par>
+                      </p:childTnLst>
+                    </p:cTn>
+                  </p:par>
+                  <p:par>
+                    <p:cTn id="63" fill="hold">
+                      <p:stCondLst>
+                        <p:cond delay="indefinite"/>
+                      </p:stCondLst>
+                      <p:childTnLst>
+                        <p:par>
+                          <p:cTn id="64" fill="hold">
+                            <p:stCondLst>
+                              <p:cond delay="0"/>
+                            </p:stCondLst>
+                            <p:childTnLst>
+                              <p:par>
+                                <p:cTn id="65" presetID="10" presetClass="entr" presetSubtype="0" fill="hold" nodeType="clickEffect">
+                                  <p:stCondLst>
+                                    <p:cond delay="0"/>
+                                  </p:stCondLst>
+                                  <p:childTnLst>
+                                    <p:set>
+                                      <p:cBhvr>
+                                        <p:cTn id="66" dur="1" fill="hold">
+                                          <p:stCondLst>
+                                            <p:cond delay="0"/>
+                                          </p:stCondLst>
+                                        </p:cTn>
+                                        <p:tgtEl>
+                                          <p:spTgt spid="63"/>
+                                        </p:tgtEl>
+                                        <p:attrNameLst>
+                                          <p:attrName>style.visibility</p:attrName>
+                                        </p:attrNameLst>
+                                      </p:cBhvr>
+                                      <p:to>
+                                        <p:strVal val="visible"/>
+                                      </p:to>
+                                    </p:set>
+                                    <p:animEffect transition="in" filter="fade">
+                                      <p:cBhvr>
+                                        <p:cTn id="67" dur="500"/>
+                                        <p:tgtEl>
+                                          <p:spTgt spid="63"/>
+                                        </p:tgtEl>
+                                      </p:cBhvr>
+                                    </p:animEffect>
+                                  </p:childTnLst>
+                                </p:cTn>
+                              </p:par>
+                            </p:childTnLst>
+                          </p:cTn>
+                        </p:par>
+                      </p:childTnLst>
+                    </p:cTn>
+                  </p:par>
+                  <p:par>
+                    <p:cTn id="68" fill="hold">
+                      <p:stCondLst>
+                        <p:cond delay="indefinite"/>
+                      </p:stCondLst>
+                      <p:childTnLst>
+                        <p:par>
+                          <p:cTn id="69" fill="hold">
+                            <p:stCondLst>
+                              <p:cond delay="0"/>
+                            </p:stCondLst>
+                            <p:childTnLst>
+                              <p:par>
+                                <p:cTn id="70" presetID="10" presetClass="entr" presetSubtype="0" fill="hold" nodeType="clickEffect">
+                                  <p:stCondLst>
+                                    <p:cond delay="0"/>
+                                  </p:stCondLst>
+                                  <p:childTnLst>
+                                    <p:set>
+                                      <p:cBhvr>
+                                        <p:cTn id="71" dur="1" fill="hold">
+                                          <p:stCondLst>
+                                            <p:cond delay="0"/>
+                                          </p:stCondLst>
+                                        </p:cTn>
+                                        <p:tgtEl>
+                                          <p:spTgt spid="41"/>
+                                        </p:tgtEl>
+                                        <p:attrNameLst>
+                                          <p:attrName>style.visibility</p:attrName>
+                                        </p:attrNameLst>
+                                      </p:cBhvr>
+                                      <p:to>
+                                        <p:strVal val="visible"/>
+                                      </p:to>
+                                    </p:set>
+                                    <p:animEffect transition="in" filter="fade">
+                                      <p:cBhvr>
+                                        <p:cTn id="72" dur="500"/>
+                                        <p:tgtEl>
+                                          <p:spTgt spid="41"/>
+                                        </p:tgtEl>
+                                      </p:cBhvr>
+                                    </p:animEffect>
+                                  </p:childTnLst>
+                                </p:cTn>
+                              </p:par>
+                            </p:childTnLst>
+                          </p:cTn>
+                        </p:par>
+                      </p:childTnLst>
+                    </p:cTn>
+                  </p:par>
+                </p:childTnLst>
+              </p:cTn>
+              <p:prevCondLst>
+                <p:cond evt="onPrev" delay="0">
+                  <p:tgtEl>
+                    <p:sldTgt/>
+                  </p:tgtEl>
+                </p:cond>
+              </p:prevCondLst>
+              <p:nextCondLst>
+                <p:cond evt="onNext" delay="0">
+                  <p:tgtEl>
+                    <p:sldTgt/>
+                  </p:tgtEl>
+                </p:cond>
+              </p:nextCondLst>
+            </p:seq>
+          </p:childTnLst>
+        </p:cTn>
+      </p:par>
+    </p:tnLst>
+    <p:bldLst>
+      <p:bldP spid="7" grpId="0" animBg="1"/>
+      <p:bldP spid="8" grpId="0" animBg="1"/>
+      <p:bldP spid="9" grpId="0" animBg="1"/>
+      <p:bldP spid="3" grpId="0" animBg="1"/>
+      <p:bldP spid="4" grpId="0" animBg="1"/>
+      <p:bldP spid="5" grpId="0" animBg="1"/>
+      <p:bldP spid="6" grpId="0" animBg="1"/>
+    </p:bldLst>
+  </p:timing>
 </p:sld>
 </file>
 
-<file path=ppt/slides/slide5.xml><?xml version="1.0" encoding="utf-8"?>
-<p:sld xmlns:a="http://schemas.openxmlformats.org/drawingml/2006/main" xmlns:r="http://schemas.openxmlformats.org/officeDocument/2006/relationships" xmlns:p="http://schemas.openxmlformats.org/presentationml/2006/main">
-  <p:cSld>
-    <p:bg>
-      <p:bgPr>
-        <a:solidFill>
-          <a:srgbClr val="292929"/>
-        </a:solidFill>
-        <a:effectLst/>
-      </p:bgPr>
-    </p:bg>
-    <p:spTree>
-      <p:nvGrpSpPr>
-        <p:cNvPr id="1" name=""/>
-        <p:cNvGrpSpPr/>
-        <p:nvPr/>
-      </p:nvGrpSpPr>
-      <p:grpSpPr>
-        <a:xfrm>
-          <a:off x="0" y="0"/>
-          <a:ext cx="0" cy="0"/>
-          <a:chOff x="0" y="0"/>
-          <a:chExt cx="0" cy="0"/>
-        </a:xfrm>
-      </p:grpSpPr>
-      <p:pic>
-        <p:nvPicPr>
-          <p:cNvPr id="18" name="Picture 18"/>
-          <p:cNvPicPr>
-            <a:picLocks noChangeAspect="1"/>
-          </p:cNvPicPr>
-          <p:nvPr/>
-        </p:nvPicPr>
-        <p:blipFill>
-          <a:blip r:embed="rId2">
-            <a:alphaModFix amt="38000"/>
-            <a:extLst>
-              <a:ext uri="{28A0092B-C50C-407E-A947-70E740481C1C}">
-                <a14:useLocalDpi xmlns:a14="http://schemas.microsoft.com/office/drawing/2010/main" val="0"/>
-              </a:ext>
-              <a:ext uri="{96DAC541-7B7A-43D3-8B79-37D633B846F1}">
-                <asvg:svgBlip xmlns:asvg="http://schemas.microsoft.com/office/drawing/2016/SVG/main" r:embed="rId3"/>
-              </a:ext>
-            </a:extLst>
-          </a:blip>
-          <a:srcRect/>
-          <a:stretch>
-            <a:fillRect/>
-          </a:stretch>
-        </p:blipFill>
-        <p:spPr>
-          <a:xfrm rot="195422">
-            <a:off x="1945643" y="7212734"/>
-            <a:ext cx="16929142" cy="6148532"/>
-          </a:xfrm>
-          <a:prstGeom prst="rect">
-            <a:avLst/>
-          </a:prstGeom>
-        </p:spPr>
-      </p:pic>
-    </p:spTree>
-  </p:cSld>
-  <p:clrMapOvr>
-    <a:masterClrMapping/>
-  </p:clrMapOvr>
-</p:sld>
-</file>
-
-<file path=ppt/slides/slide6.xml><?xml version="1.0" encoding="utf-8"?>
-<p:sld xmlns:a="http://schemas.openxmlformats.org/drawingml/2006/main" xmlns:r="http://schemas.openxmlformats.org/officeDocument/2006/relationships" xmlns:p="http://schemas.openxmlformats.org/presentationml/2006/main">
-  <p:cSld>
-    <p:spTree>
-      <p:nvGrpSpPr>
-        <p:cNvPr id="1" name=""/>
-        <p:cNvGrpSpPr/>
-        <p:nvPr/>
-      </p:nvGrpSpPr>
-      <p:grpSpPr>
-        <a:xfrm>
-          <a:off x="0" y="0"/>
-          <a:ext cx="0" cy="0"/>
-          <a:chOff x="0" y="0"/>
-          <a:chExt cx="0" cy="0"/>
-        </a:xfrm>
-      </p:grpSpPr>
-      <p:pic>
-        <p:nvPicPr>
-          <p:cNvPr id="4" name="Picture 4"/>
-          <p:cNvPicPr>
-            <a:picLocks noChangeAspect="1"/>
-          </p:cNvPicPr>
-          <p:nvPr/>
-        </p:nvPicPr>
-        <p:blipFill>
-          <a:blip r:embed="rId2">
-            <a:alphaModFix amt="70000"/>
-            <a:extLst>
-              <a:ext uri="{28A0092B-C50C-407E-A947-70E740481C1C}">
-                <a14:useLocalDpi xmlns:a14="http://schemas.microsoft.com/office/drawing/2010/main" val="0"/>
-              </a:ext>
-              <a:ext uri="{96DAC541-7B7A-43D3-8B79-37D633B846F1}">
-                <asvg:svgBlip xmlns:asvg="http://schemas.microsoft.com/office/drawing/2016/SVG/main" r:embed="rId3"/>
-              </a:ext>
-            </a:extLst>
-          </a:blip>
-          <a:srcRect/>
-          <a:stretch>
-            <a:fillRect/>
-          </a:stretch>
-        </p:blipFill>
-        <p:spPr>
-          <a:xfrm>
-            <a:off x="8458200" y="7584330"/>
-            <a:ext cx="10435123" cy="3433053"/>
-          </a:xfrm>
-          <a:prstGeom prst="rect">
-            <a:avLst/>
-          </a:prstGeom>
-        </p:spPr>
-      </p:pic>
-      <p:pic>
-        <p:nvPicPr>
-          <p:cNvPr id="5" name="Picture 5"/>
-          <p:cNvPicPr>
-            <a:picLocks noChangeAspect="1"/>
-          </p:cNvPicPr>
-          <p:nvPr/>
-        </p:nvPicPr>
-        <p:blipFill>
-          <a:blip r:embed="rId2">
-            <a:alphaModFix amt="42000"/>
-            <a:extLst>
-              <a:ext uri="{28A0092B-C50C-407E-A947-70E740481C1C}">
-                <a14:useLocalDpi xmlns:a14="http://schemas.microsoft.com/office/drawing/2010/main" val="0"/>
-              </a:ext>
-              <a:ext uri="{96DAC541-7B7A-43D3-8B79-37D633B846F1}">
-                <asvg:svgBlip xmlns:asvg="http://schemas.microsoft.com/office/drawing/2016/SVG/main" r:embed="rId3"/>
-              </a:ext>
-            </a:extLst>
-          </a:blip>
-          <a:srcRect/>
-          <a:stretch>
-            <a:fillRect/>
-          </a:stretch>
-        </p:blipFill>
-        <p:spPr>
-          <a:xfrm rot="126575" flipH="1" flipV="1">
-            <a:off x="-3207581" y="-1083420"/>
-            <a:ext cx="10435123" cy="3433053"/>
-          </a:xfrm>
-          <a:prstGeom prst="rect">
-            <a:avLst/>
-          </a:prstGeom>
-        </p:spPr>
-      </p:pic>
-    </p:spTree>
-  </p:cSld>
-  <p:clrMapOvr>
-    <a:masterClrMapping/>
-  </p:clrMapOvr>
-</p:sld>
-</file>
-
-<file path=ppt/slides/slide7.xml><?xml version="1.0" encoding="utf-8"?>
+<file path=ppt/slides/slide4.xml><?xml version="1.0" encoding="utf-8"?>
 <p:sld xmlns:a="http://schemas.openxmlformats.org/drawingml/2006/main" xmlns:r="http://schemas.openxmlformats.org/officeDocument/2006/relationships" xmlns:p="http://schemas.openxmlformats.org/presentationml/2006/main">
   <p:cSld>
     <p:bg>
@@ -4070,7 +7072,7 @@
         </p:blipFill>
         <p:spPr>
           <a:xfrm>
-            <a:off x="0" y="-141002"/>
+            <a:off x="0" y="-62602"/>
             <a:ext cx="18774238" cy="10412204"/>
           </a:xfrm>
           <a:prstGeom prst="rect">
@@ -4078,6 +7080,51 @@
           </a:prstGeom>
         </p:spPr>
       </p:pic>
+      <p:sp>
+        <p:nvSpPr>
+          <p:cNvPr id="2" name="TextBox 3">
+            <a:extLst>
+              <a:ext uri="{FF2B5EF4-FFF2-40B4-BE49-F238E27FC236}">
+                <a16:creationId xmlns:a16="http://schemas.microsoft.com/office/drawing/2014/main" id="{848CC26A-D4BC-6F4E-8FA2-A12F10203E4D}"/>
+              </a:ext>
+            </a:extLst>
+          </p:cNvPr>
+          <p:cNvSpPr txBox="1"/>
+          <p:nvPr/>
+        </p:nvSpPr>
+        <p:spPr>
+          <a:xfrm>
+            <a:off x="2590800" y="1562100"/>
+            <a:ext cx="12940316" cy="1769715"/>
+          </a:xfrm>
+          <a:prstGeom prst="rect">
+            <a:avLst/>
+          </a:prstGeom>
+        </p:spPr>
+        <p:txBody>
+          <a:bodyPr lIns="0" tIns="0" rIns="0" bIns="0" rtlCol="0" anchor="t">
+            <a:spAutoFit/>
+          </a:bodyPr>
+          <a:lstStyle/>
+          <a:p>
+            <a:r>
+              <a:rPr lang="en-US" sz="11500" b="1" dirty="0">
+                <a:solidFill>
+                  <a:schemeClr val="bg2"/>
+                </a:solidFill>
+                <a:latin typeface="Inter"/>
+              </a:rPr>
+              <a:t>THANK YOU</a:t>
+            </a:r>
+            <a:endParaRPr lang="en-US" sz="16600" b="1" dirty="0">
+              <a:solidFill>
+                <a:srgbClr val="968AD2"/>
+              </a:solidFill>
+              <a:latin typeface="Inter"/>
+            </a:endParaRPr>
+          </a:p>
+        </p:txBody>
+      </p:sp>
     </p:spTree>
   </p:cSld>
   <p:clrMapOvr>
